--- a/trunk/presentation/Team MIDI-Pop.pptx
+++ b/trunk/presentation/Team MIDI-Pop.pptx
@@ -4822,68 +4822,8 @@
                 </a:effectLst>
                 <a:latin typeface="Century Gothic" pitchFamily="34" charset="0"/>
               </a:rPr>
-              <a:t>“</a:t>
-            </a:r>
-            <a:r>
-              <a:rPr lang="en-US" sz="4400" b="1" dirty="0" err="1" smtClean="0">
-                <a:ln w="19050">
-                  <a:solidFill>
-                    <a:srgbClr val="92D050"/>
-                  </a:solidFill>
-                  <a:prstDash val="solid"/>
-                  <a:miter lim="800000"/>
-                </a:ln>
-                <a:noFill/>
-                <a:effectLst>
-                  <a:outerShdw blurRad="25500" dist="23000" dir="7020000" algn="tl">
-                    <a:srgbClr val="000000">
-                      <a:alpha val="50000"/>
-                    </a:srgbClr>
-                  </a:outerShdw>
-                </a:effectLst>
-                <a:latin typeface="Century Gothic" pitchFamily="34" charset="0"/>
-              </a:rPr>
-              <a:t>SS12_AudioPreview</a:t>
-            </a:r>
-            <a:r>
-              <a:rPr lang="en-US" sz="4400" b="1" dirty="0" smtClean="0">
-                <a:ln w="19050">
-                  <a:solidFill>
-                    <a:srgbClr val="92D050"/>
-                  </a:solidFill>
-                  <a:prstDash val="solid"/>
-                  <a:miter lim="800000"/>
-                </a:ln>
-                <a:noFill/>
-                <a:effectLst>
-                  <a:outerShdw blurRad="25500" dist="23000" dir="7020000" algn="tl">
-                    <a:srgbClr val="000000">
-                      <a:alpha val="50000"/>
-                    </a:srgbClr>
-                  </a:outerShdw>
-                </a:effectLst>
-                <a:latin typeface="Century Gothic" pitchFamily="34" charset="0"/>
-              </a:rPr>
-              <a:t> [trunk]”</a:t>
-            </a:r>
-            <a:endParaRPr lang="en-US" sz="4400" b="1" dirty="0" smtClean="0">
-              <a:ln w="19050">
-                <a:solidFill>
-                  <a:srgbClr val="92D050"/>
-                </a:solidFill>
-                <a:prstDash val="solid"/>
-                <a:miter lim="800000"/>
-              </a:ln>
-              <a:noFill/>
-              <a:effectLst>
-                <a:outerShdw blurRad="25500" dist="23000" dir="7020000" algn="tl">
-                  <a:srgbClr val="000000">
-                    <a:alpha val="50000"/>
-                  </a:srgbClr>
-                </a:outerShdw>
-              </a:effectLst>
-              <a:latin typeface="Century Gothic" pitchFamily="34" charset="0"/>
-            </a:endParaRPr>
+              <a:t>“SS12_AudioPreview [trunk]”</a:t>
+            </a:r>
           </a:p>
         </p:txBody>
       </p:sp>
@@ -4929,8 +4869,31 @@
           <a:p>
             <a:r>
               <a:rPr lang="en-US" sz="3200" dirty="0" smtClean="0"/>
-              <a:t>Number of tree conflicts: …</a:t>
-            </a:r>
+              <a:t>Number of tree conflicts: </a:t>
+            </a:r>
+            <a:r>
+              <a:rPr lang="en-US" sz="3200" dirty="0" smtClean="0"/>
+              <a:t>…</a:t>
+            </a:r>
+          </a:p>
+          <a:p>
+            <a:r>
+              <a:rPr lang="en-US" sz="3200" dirty="0" smtClean="0"/>
+              <a:t>URL: </a:t>
+            </a:r>
+            <a:r>
+              <a:rPr lang="en-US" sz="3200" dirty="0" smtClean="0">
+                <a:hlinkClick r:id="rId2"/>
+              </a:rPr>
+              <a:t>http://code.google.com/p/ss12-usc-2011-audiopreview2</a:t>
+            </a:r>
+            <a:r>
+              <a:rPr lang="en-US" sz="3200" dirty="0" smtClean="0">
+                <a:hlinkClick r:id="rId2"/>
+              </a:rPr>
+              <a:t>/</a:t>
+            </a:r>
+            <a:endParaRPr lang="en-US" sz="3200" dirty="0" smtClean="0"/>
           </a:p>
           <a:p>
             <a:endParaRPr lang="en-US" sz="3200" dirty="0"/>

--- a/trunk/presentation/Team MIDI-Pop.pptx
+++ b/trunk/presentation/Team MIDI-Pop.pptx
@@ -497,7 +497,7 @@
             <a:fld id="{DA4A45B6-BEFB-425B-8601-225B4CBA19A0}" type="datetimeFigureOut">
               <a:rPr lang="en-US" smtClean="0"/>
               <a:pPr/>
-              <a:t>2/19/2011</a:t>
+              <a:t>2/20/2011</a:t>
             </a:fld>
             <a:endParaRPr lang="en-US"/>
           </a:p>
@@ -667,7 +667,7 @@
             <a:fld id="{DA4A45B6-BEFB-425B-8601-225B4CBA19A0}" type="datetimeFigureOut">
               <a:rPr lang="en-US" smtClean="0"/>
               <a:pPr/>
-              <a:t>2/19/2011</a:t>
+              <a:t>2/20/2011</a:t>
             </a:fld>
             <a:endParaRPr lang="en-US"/>
           </a:p>
@@ -847,7 +847,7 @@
             <a:fld id="{DA4A45B6-BEFB-425B-8601-225B4CBA19A0}" type="datetimeFigureOut">
               <a:rPr lang="en-US" smtClean="0"/>
               <a:pPr/>
-              <a:t>2/19/2011</a:t>
+              <a:t>2/20/2011</a:t>
             </a:fld>
             <a:endParaRPr lang="en-US"/>
           </a:p>
@@ -1021,7 +1021,7 @@
             <a:fld id="{DA4A45B6-BEFB-425B-8601-225B4CBA19A0}" type="datetimeFigureOut">
               <a:rPr lang="en-US" smtClean="0"/>
               <a:pPr/>
-              <a:t>2/19/2011</a:t>
+              <a:t>2/20/2011</a:t>
             </a:fld>
             <a:endParaRPr lang="en-US"/>
           </a:p>
@@ -1481,7 +1481,7 @@
             <a:fld id="{DA4A45B6-BEFB-425B-8601-225B4CBA19A0}" type="datetimeFigureOut">
               <a:rPr lang="en-US" smtClean="0"/>
               <a:pPr/>
-              <a:t>2/19/2011</a:t>
+              <a:t>2/20/2011</a:t>
             </a:fld>
             <a:endParaRPr lang="en-US"/>
           </a:p>
@@ -1750,7 +1750,7 @@
             <a:fld id="{DA4A45B6-BEFB-425B-8601-225B4CBA19A0}" type="datetimeFigureOut">
               <a:rPr lang="en-US" smtClean="0"/>
               <a:pPr/>
-              <a:t>2/19/2011</a:t>
+              <a:t>2/20/2011</a:t>
             </a:fld>
             <a:endParaRPr lang="en-US"/>
           </a:p>
@@ -2129,7 +2129,7 @@
             <a:fld id="{DA4A45B6-BEFB-425B-8601-225B4CBA19A0}" type="datetimeFigureOut">
               <a:rPr lang="en-US" smtClean="0"/>
               <a:pPr/>
-              <a:t>2/19/2011</a:t>
+              <a:t>2/20/2011</a:t>
             </a:fld>
             <a:endParaRPr lang="en-US"/>
           </a:p>
@@ -2256,7 +2256,7 @@
             <a:fld id="{DA4A45B6-BEFB-425B-8601-225B4CBA19A0}" type="datetimeFigureOut">
               <a:rPr lang="en-US" smtClean="0"/>
               <a:pPr/>
-              <a:t>2/19/2011</a:t>
+              <a:t>2/20/2011</a:t>
             </a:fld>
             <a:endParaRPr lang="en-US"/>
           </a:p>
@@ -2351,7 +2351,7 @@
             <a:fld id="{DA4A45B6-BEFB-425B-8601-225B4CBA19A0}" type="datetimeFigureOut">
               <a:rPr lang="en-US" smtClean="0"/>
               <a:pPr/>
-              <a:t>2/19/2011</a:t>
+              <a:t>2/20/2011</a:t>
             </a:fld>
             <a:endParaRPr lang="en-US"/>
           </a:p>
@@ -2605,7 +2605,7 @@
             <a:fld id="{DA4A45B6-BEFB-425B-8601-225B4CBA19A0}" type="datetimeFigureOut">
               <a:rPr lang="en-US" smtClean="0"/>
               <a:pPr/>
-              <a:t>2/19/2011</a:t>
+              <a:t>2/20/2011</a:t>
             </a:fld>
             <a:endParaRPr lang="en-US"/>
           </a:p>
@@ -2869,7 +2869,7 @@
             <a:fld id="{DA4A45B6-BEFB-425B-8601-225B4CBA19A0}" type="datetimeFigureOut">
               <a:rPr lang="en-US" smtClean="0"/>
               <a:pPr/>
-              <a:t>2/19/2011</a:t>
+              <a:t>2/20/2011</a:t>
             </a:fld>
             <a:endParaRPr lang="en-US"/>
           </a:p>
@@ -3278,7 +3278,7 @@
             <a:fld id="{DA4A45B6-BEFB-425B-8601-225B4CBA19A0}" type="datetimeFigureOut">
               <a:rPr lang="en-US" smtClean="0"/>
               <a:pPr/>
-              <a:t>2/19/2011</a:t>
+              <a:t>2/20/2011</a:t>
             </a:fld>
             <a:endParaRPr lang="en-US"/>
           </a:p>
@@ -3791,7 +3791,28 @@
                 </a:effectLst>
                 <a:latin typeface="Century Gothic" pitchFamily="34" charset="0"/>
               </a:rPr>
-              <a:t>MIDI-Pop</a:t>
+              <a:t>MIDI-</a:t>
+            </a:r>
+            <a:r>
+              <a:rPr lang="en-US" sz="7200" cap="none" dirty="0" err="1" smtClean="0">
+                <a:ln w="38100">
+                  <a:solidFill>
+                    <a:srgbClr val="92D050"/>
+                  </a:solidFill>
+                  <a:prstDash val="solid"/>
+                  <a:miter lim="800000"/>
+                </a:ln>
+                <a:noFill/>
+                <a:effectLst>
+                  <a:outerShdw blurRad="25500" dist="23000" dir="7020000" algn="tl">
+                    <a:srgbClr val="000000">
+                      <a:alpha val="50000"/>
+                    </a:srgbClr>
+                  </a:outerShdw>
+                </a:effectLst>
+                <a:latin typeface="Century Gothic" pitchFamily="34" charset="0"/>
+              </a:rPr>
+              <a:t>PoP</a:t>
             </a:r>
             <a:endParaRPr lang="en-US" sz="7200" cap="none" dirty="0">
               <a:ln w="38100">
@@ -4114,7 +4135,70 @@
                 </a:effectLst>
                 <a:latin typeface="Century Gothic" pitchFamily="34" charset="0"/>
               </a:rPr>
-              <a:t>MIDI-Pop Team Members</a:t>
+              <a:t>MIDI-</a:t>
+            </a:r>
+            <a:r>
+              <a:rPr lang="en-US" sz="4400" b="1" dirty="0" err="1" smtClean="0">
+                <a:ln w="19050">
+                  <a:solidFill>
+                    <a:srgbClr val="92D050"/>
+                  </a:solidFill>
+                  <a:prstDash val="solid"/>
+                  <a:miter lim="800000"/>
+                </a:ln>
+                <a:noFill/>
+                <a:effectLst>
+                  <a:outerShdw blurRad="25500" dist="23000" dir="7020000" algn="tl">
+                    <a:srgbClr val="000000">
+                      <a:alpha val="50000"/>
+                    </a:srgbClr>
+                  </a:outerShdw>
+                </a:effectLst>
+                <a:latin typeface="Century Gothic" pitchFamily="34" charset="0"/>
+              </a:rPr>
+              <a:t>PoP</a:t>
+            </a:r>
+            <a:r>
+              <a:rPr lang="en-US" sz="4400" b="1" dirty="0" smtClean="0">
+                <a:ln w="19050">
+                  <a:solidFill>
+                    <a:srgbClr val="92D050"/>
+                  </a:solidFill>
+                  <a:prstDash val="solid"/>
+                  <a:miter lim="800000"/>
+                </a:ln>
+                <a:noFill/>
+                <a:effectLst>
+                  <a:outerShdw blurRad="25500" dist="23000" dir="7020000" algn="tl">
+                    <a:srgbClr val="000000">
+                      <a:alpha val="50000"/>
+                    </a:srgbClr>
+                  </a:outerShdw>
+                </a:effectLst>
+                <a:latin typeface="Century Gothic" pitchFamily="34" charset="0"/>
+              </a:rPr>
+              <a:t> </a:t>
+            </a:r>
+            <a:r>
+              <a:rPr lang="en-US" sz="4400" b="1" dirty="0" smtClean="0">
+                <a:ln w="19050">
+                  <a:solidFill>
+                    <a:srgbClr val="92D050"/>
+                  </a:solidFill>
+                  <a:prstDash val="solid"/>
+                  <a:miter lim="800000"/>
+                </a:ln>
+                <a:noFill/>
+                <a:effectLst>
+                  <a:outerShdw blurRad="25500" dist="23000" dir="7020000" algn="tl">
+                    <a:srgbClr val="000000">
+                      <a:alpha val="50000"/>
+                    </a:srgbClr>
+                  </a:outerShdw>
+                </a:effectLst>
+                <a:latin typeface="Century Gothic" pitchFamily="34" charset="0"/>
+              </a:rPr>
+              <a:t>Team Members</a:t>
             </a:r>
             <a:endParaRPr lang="en-US" sz="4400" b="1" dirty="0">
               <a:ln w="19050">
@@ -4869,11 +4953,7 @@
           <a:p>
             <a:r>
               <a:rPr lang="en-US" sz="3200" dirty="0" smtClean="0"/>
-              <a:t>Number of tree conflicts: </a:t>
-            </a:r>
-            <a:r>
-              <a:rPr lang="en-US" sz="3200" dirty="0" smtClean="0"/>
-              <a:t>…</a:t>
+              <a:t>Number of tree conflicts: …</a:t>
             </a:r>
           </a:p>
           <a:p>
@@ -4885,13 +4965,7 @@
               <a:rPr lang="en-US" sz="3200" dirty="0" smtClean="0">
                 <a:hlinkClick r:id="rId2"/>
               </a:rPr>
-              <a:t>http://code.google.com/p/ss12-usc-2011-audiopreview2</a:t>
-            </a:r>
-            <a:r>
-              <a:rPr lang="en-US" sz="3200" dirty="0" smtClean="0">
-                <a:hlinkClick r:id="rId2"/>
-              </a:rPr>
-              <a:t>/</a:t>
+              <a:t>http://code.google.com/p/ss12-usc-2011-audiopreview2/</a:t>
             </a:r>
             <a:endParaRPr lang="en-US" sz="3200" dirty="0" smtClean="0"/>
           </a:p>

--- a/trunk/presentation/Team MIDI-Pop.pptx
+++ b/trunk/presentation/Team MIDI-Pop.pptx
@@ -9,8 +9,11 @@
     <p:sldId id="257" r:id="rId3"/>
     <p:sldId id="258" r:id="rId4"/>
     <p:sldId id="260" r:id="rId5"/>
-    <p:sldId id="259" r:id="rId6"/>
-    <p:sldId id="261" r:id="rId7"/>
+    <p:sldId id="262" r:id="rId6"/>
+    <p:sldId id="263" r:id="rId7"/>
+    <p:sldId id="264" r:id="rId8"/>
+    <p:sldId id="259" r:id="rId9"/>
+    <p:sldId id="261" r:id="rId10"/>
   </p:sldIdLst>
   <p:sldSz cx="9144000" cy="6858000" type="screen4x3"/>
   <p:notesSz cx="6858000" cy="9144000"/>
@@ -3668,6 +3671,11 @@
 <file path=ppt/slides/slide1.xml><?xml version="1.0" encoding="utf-8"?>
 <p:sld xmlns:a="http://schemas.openxmlformats.org/drawingml/2006/main" xmlns:r="http://schemas.openxmlformats.org/officeDocument/2006/relationships" xmlns:p="http://schemas.openxmlformats.org/presentationml/2006/main">
   <p:cSld>
+    <p:bg>
+      <p:bgRef idx="1001">
+        <a:schemeClr val="bg2"/>
+      </p:bgRef>
+    </p:bg>
     <p:spTree>
       <p:nvGrpSpPr>
         <p:cNvPr id="1" name=""/>
@@ -3691,7 +3699,7 @@
           <p:nvPr/>
         </p:nvPicPr>
         <p:blipFill>
-          <a:blip r:embed="rId2" cstate="print"/>
+          <a:blip r:embed="rId3" cstate="print"/>
           <a:srcRect/>
           <a:stretch>
             <a:fillRect/>
@@ -3710,32 +3718,154 @@
       </p:pic>
       <p:sp>
         <p:nvSpPr>
-          <p:cNvPr id="2" name="Title 1"/>
-          <p:cNvSpPr>
-            <a:spLocks noGrp="1"/>
-          </p:cNvSpPr>
-          <p:nvPr>
-            <p:ph type="ctrTitle"/>
+          <p:cNvPr id="3" name="Subtitle 2"/>
+          <p:cNvSpPr>
+            <a:spLocks noGrp="1"/>
+          </p:cNvSpPr>
+          <p:nvPr>
+            <p:ph type="subTitle" idx="1"/>
           </p:nvPr>
         </p:nvSpPr>
         <p:spPr>
           <a:xfrm>
-            <a:off x="685800" y="1143000"/>
-            <a:ext cx="7772400" cy="2209800"/>
+            <a:off x="2895600" y="3581400"/>
+            <a:ext cx="3200400" cy="2286000"/>
           </a:xfrm>
         </p:spPr>
         <p:txBody>
           <a:bodyPr>
-            <a:normAutofit fontScale="90000"/>
+            <a:normAutofit/>
           </a:bodyPr>
           <a:lstStyle/>
           <a:p>
             <a:pPr algn="ctr"/>
             <a:r>
-              <a:rPr lang="en-US" sz="7200" cap="none" dirty="0" smtClean="0">
-                <a:ln w="38100">
+              <a:rPr lang="en-US" dirty="0" smtClean="0">
+                <a:latin typeface="Chaparral Pro" pitchFamily="18" charset="0"/>
+              </a:rPr>
+              <a:t>Zach Boehm</a:t>
+            </a:r>
+          </a:p>
+          <a:p>
+            <a:pPr algn="ctr"/>
+            <a:r>
+              <a:rPr lang="en-US" dirty="0" smtClean="0">
+                <a:latin typeface="Chaparral Pro" pitchFamily="18" charset="0"/>
+              </a:rPr>
+              <a:t>Andy Ybarra</a:t>
+            </a:r>
+          </a:p>
+          <a:p>
+            <a:pPr algn="ctr"/>
+            <a:r>
+              <a:rPr lang="en-US" dirty="0" err="1" smtClean="0">
+                <a:latin typeface="Chaparral Pro" pitchFamily="18" charset="0"/>
+              </a:rPr>
+              <a:t>Brehon</a:t>
+            </a:r>
+            <a:r>
+              <a:rPr lang="en-US" dirty="0" smtClean="0">
+                <a:latin typeface="Chaparral Pro" pitchFamily="18" charset="0"/>
+              </a:rPr>
+              <a:t> Humphrey</a:t>
+            </a:r>
+          </a:p>
+          <a:p>
+            <a:pPr algn="ctr"/>
+            <a:r>
+              <a:rPr lang="en-US" dirty="0" smtClean="0">
+                <a:latin typeface="Chaparral Pro" pitchFamily="18" charset="0"/>
+              </a:rPr>
+              <a:t>Ryan </a:t>
+            </a:r>
+            <a:r>
+              <a:rPr lang="en-US" dirty="0" err="1" smtClean="0">
+                <a:latin typeface="Chaparral Pro" pitchFamily="18" charset="0"/>
+              </a:rPr>
+              <a:t>Tenorio</a:t>
+            </a:r>
+            <a:endParaRPr lang="en-US" dirty="0" smtClean="0">
+              <a:latin typeface="Chaparral Pro" pitchFamily="18" charset="0"/>
+            </a:endParaRPr>
+          </a:p>
+          <a:p>
+            <a:pPr algn="ctr"/>
+            <a:r>
+              <a:rPr lang="en-US" dirty="0" smtClean="0">
+                <a:latin typeface="Chaparral Pro" pitchFamily="18" charset="0"/>
+              </a:rPr>
+              <a:t>Kyle </a:t>
+            </a:r>
+            <a:r>
+              <a:rPr lang="en-US" dirty="0" err="1" smtClean="0">
+                <a:latin typeface="Chaparral Pro" pitchFamily="18" charset="0"/>
+              </a:rPr>
+              <a:t>Mylonakis</a:t>
+            </a:r>
+            <a:endParaRPr lang="en-US" dirty="0" smtClean="0">
+              <a:latin typeface="Chaparral Pro" pitchFamily="18" charset="0"/>
+            </a:endParaRPr>
+          </a:p>
+          <a:p>
+            <a:pPr algn="ctr"/>
+            <a:r>
+              <a:rPr lang="en-US" dirty="0" smtClean="0">
+                <a:latin typeface="Chaparral Pro" pitchFamily="18" charset="0"/>
+              </a:rPr>
+              <a:t>Jonathan Sun</a:t>
+            </a:r>
+            <a:endParaRPr lang="en-US" dirty="0">
+              <a:latin typeface="Chaparral Pro" pitchFamily="18" charset="0"/>
+            </a:endParaRPr>
+          </a:p>
+        </p:txBody>
+      </p:sp>
+      <p:sp>
+        <p:nvSpPr>
+          <p:cNvPr id="2" name="Title 1"/>
+          <p:cNvSpPr>
+            <a:spLocks noGrp="1"/>
+          </p:cNvSpPr>
+          <p:nvPr>
+            <p:ph type="ctrTitle"/>
+          </p:nvPr>
+        </p:nvSpPr>
+        <p:spPr>
+          <a:xfrm>
+            <a:off x="0" y="1143000"/>
+            <a:ext cx="9144000" cy="2209800"/>
+          </a:xfrm>
+          <a:gradFill flip="none" rotWithShape="1">
+            <a:gsLst>
+              <a:gs pos="0">
+                <a:schemeClr val="bg1"/>
+              </a:gs>
+              <a:gs pos="100000">
+                <a:schemeClr val="accent1">
+                  <a:tint val="23500"/>
+                  <a:satMod val="160000"/>
+                  <a:alpha val="0"/>
+                </a:schemeClr>
+              </a:gs>
+            </a:gsLst>
+            <a:path path="circle">
+              <a:fillToRect l="50000" t="50000" r="50000" b="50000"/>
+            </a:path>
+            <a:tileRect/>
+          </a:gradFill>
+        </p:spPr>
+        <p:txBody>
+          <a:bodyPr vert="horz" lIns="45720" rIns="45720" anchor="ctr">
+            <a:noAutofit/>
+          </a:bodyPr>
+          <a:lstStyle/>
+          <a:p>
+            <a:pPr algn="ctr"/>
+            <a:r>
+              <a:rPr lang="en-US" sz="6000" cap="none" dirty="0" smtClean="0">
+                <a:ln w="19050">
                   <a:solidFill>
-                    <a:srgbClr val="92D050"/>
+                    <a:srgbClr val="FFFF00"/>
                   </a:solidFill>
                   <a:prstDash val="solid"/>
                   <a:miter lim="800000"/>
@@ -3753,10 +3883,10 @@
               <a:t>Team </a:t>
             </a:r>
             <a:br>
-              <a:rPr lang="en-US" sz="7200" cap="none" dirty="0" smtClean="0">
-                <a:ln w="38100">
+              <a:rPr lang="en-US" sz="6000" cap="none" dirty="0" smtClean="0">
+                <a:ln w="19050">
                   <a:solidFill>
-                    <a:srgbClr val="92D050"/>
+                    <a:srgbClr val="FFFF00"/>
                   </a:solidFill>
                   <a:prstDash val="solid"/>
                   <a:miter lim="800000"/>
@@ -3773,10 +3903,10 @@
               </a:rPr>
             </a:br>
             <a:r>
-              <a:rPr lang="en-US" sz="7200" cap="none" dirty="0" smtClean="0">
-                <a:ln w="38100">
+              <a:rPr lang="en-US" sz="6000" cap="none" dirty="0" smtClean="0">
+                <a:ln w="19050">
                   <a:solidFill>
-                    <a:srgbClr val="92D050"/>
+                    <a:srgbClr val="FFFF00"/>
                   </a:solidFill>
                   <a:prstDash val="solid"/>
                   <a:miter lim="800000"/>
@@ -3794,10 +3924,10 @@
               <a:t>MIDI-</a:t>
             </a:r>
             <a:r>
-              <a:rPr lang="en-US" sz="7200" cap="none" dirty="0" err="1" smtClean="0">
-                <a:ln w="38100">
+              <a:rPr lang="en-US" sz="6000" cap="none" dirty="0" err="1" smtClean="0">
+                <a:ln w="19050">
                   <a:solidFill>
-                    <a:srgbClr val="92D050"/>
+                    <a:srgbClr val="FFFF00"/>
                   </a:solidFill>
                   <a:prstDash val="solid"/>
                   <a:miter lim="800000"/>
@@ -3814,10 +3944,10 @@
               </a:rPr>
               <a:t>PoP</a:t>
             </a:r>
-            <a:endParaRPr lang="en-US" sz="7200" cap="none" dirty="0">
-              <a:ln w="38100">
+            <a:endParaRPr lang="en-US" sz="6000" cap="none" dirty="0">
+              <a:ln w="19050">
                 <a:solidFill>
-                  <a:srgbClr val="92D050"/>
+                  <a:srgbClr val="FFFF00"/>
                 </a:solidFill>
                 <a:prstDash val="solid"/>
                 <a:miter lim="800000"/>
@@ -3835,90 +3965,10 @@
           </a:p>
         </p:txBody>
       </p:sp>
-      <p:sp>
-        <p:nvSpPr>
-          <p:cNvPr id="3" name="Subtitle 2"/>
-          <p:cNvSpPr>
-            <a:spLocks noGrp="1"/>
-          </p:cNvSpPr>
-          <p:nvPr>
-            <p:ph type="subTitle" idx="1"/>
-          </p:nvPr>
-        </p:nvSpPr>
-        <p:spPr>
-          <a:xfrm>
-            <a:off x="2895600" y="3581400"/>
-            <a:ext cx="3200400" cy="2286000"/>
-          </a:xfrm>
-        </p:spPr>
-        <p:txBody>
-          <a:bodyPr>
-            <a:normAutofit/>
-          </a:bodyPr>
-          <a:lstStyle/>
-          <a:p>
-            <a:pPr algn="ctr"/>
-            <a:r>
-              <a:rPr lang="en-US" dirty="0" smtClean="0"/>
-              <a:t>Zach Boehm</a:t>
-            </a:r>
-          </a:p>
-          <a:p>
-            <a:pPr algn="ctr"/>
-            <a:r>
-              <a:rPr lang="en-US" dirty="0" smtClean="0"/>
-              <a:t>Andy Ybarra</a:t>
-            </a:r>
-          </a:p>
-          <a:p>
-            <a:pPr algn="ctr"/>
-            <a:r>
-              <a:rPr lang="en-US" dirty="0" err="1" smtClean="0"/>
-              <a:t>Brehon</a:t>
-            </a:r>
-            <a:r>
-              <a:rPr lang="en-US" dirty="0" smtClean="0"/>
-              <a:t> Humphrey</a:t>
-            </a:r>
-          </a:p>
-          <a:p>
-            <a:pPr algn="ctr"/>
-            <a:r>
-              <a:rPr lang="en-US" dirty="0" smtClean="0"/>
-              <a:t>Ryan </a:t>
-            </a:r>
-            <a:r>
-              <a:rPr lang="en-US" dirty="0" err="1" smtClean="0"/>
-              <a:t>Tenorio</a:t>
-            </a:r>
-            <a:endParaRPr lang="en-US" dirty="0" smtClean="0"/>
-          </a:p>
-          <a:p>
-            <a:pPr algn="ctr"/>
-            <a:r>
-              <a:rPr lang="en-US" dirty="0" smtClean="0"/>
-              <a:t>Kyle </a:t>
-            </a:r>
-            <a:r>
-              <a:rPr lang="en-US" dirty="0" err="1" smtClean="0"/>
-              <a:t>Mylonakis</a:t>
-            </a:r>
-            <a:endParaRPr lang="en-US" dirty="0" smtClean="0"/>
-          </a:p>
-          <a:p>
-            <a:pPr algn="ctr"/>
-            <a:r>
-              <a:rPr lang="en-US" dirty="0" smtClean="0"/>
-              <a:t>Jonathan Sun</a:t>
-            </a:r>
-            <a:endParaRPr lang="en-US" dirty="0"/>
-          </a:p>
-        </p:txBody>
-      </p:sp>
     </p:spTree>
   </p:cSld>
   <p:clrMapOvr>
-    <a:masterClrMapping/>
+    <a:overrideClrMapping bg1="dk1" tx1="lt1" bg2="dk2" tx2="lt2" accent1="accent1" accent2="accent2" accent3="accent3" accent4="accent4" accent5="accent5" accent6="accent6" hlink="hlink" folHlink="folHlink"/>
   </p:clrMapOvr>
   <p:transition spd="slow">
     <p:fade/>
@@ -3952,29 +4002,159 @@
       </p:grpSpPr>
       <p:sp>
         <p:nvSpPr>
-          <p:cNvPr id="2" name="Title 1"/>
-          <p:cNvSpPr>
-            <a:spLocks noGrp="1"/>
-          </p:cNvSpPr>
-          <p:nvPr>
-            <p:ph type="title"/>
+          <p:cNvPr id="3" name="Content Placeholder 2"/>
+          <p:cNvSpPr>
+            <a:spLocks noGrp="1"/>
+          </p:cNvSpPr>
+          <p:nvPr>
+            <p:ph idx="1"/>
           </p:nvPr>
         </p:nvSpPr>
         <p:spPr>
           <a:xfrm>
-            <a:off x="457200" y="609600"/>
-            <a:ext cx="8229600" cy="1066800"/>
+            <a:off x="457200" y="1923288"/>
+            <a:ext cx="8229600" cy="4325112"/>
           </a:xfrm>
         </p:spPr>
         <p:txBody>
           <a:bodyPr>
+            <a:normAutofit fontScale="77500" lnSpcReduction="20000"/>
+          </a:bodyPr>
+          <a:lstStyle/>
+          <a:p>
+            <a:pPr>
+              <a:lnSpc>
+                <a:spcPct val="170000"/>
+              </a:lnSpc>
+            </a:pPr>
+            <a:r>
+              <a:rPr lang="en-US" dirty="0" smtClean="0">
+                <a:latin typeface="Chaparral Pro" pitchFamily="18" charset="0"/>
+              </a:rPr>
+              <a:t>“Venues </a:t>
+            </a:r>
+            <a:r>
+              <a:rPr lang="en-US" dirty="0" smtClean="0">
+                <a:latin typeface="Chaparral Pro" pitchFamily="18" charset="0"/>
+              </a:rPr>
+              <a:t>with assigned seating (i.e. concert halls) sometimes provide view simulations from a given seat to allow customers to determine which seat they’d like to buy a ticket for. However, for a person with a visual disability, the more useful information is how the venue </a:t>
+            </a:r>
+            <a:r>
+              <a:rPr lang="en-US" i="1" dirty="0" smtClean="0">
+                <a:latin typeface="Chaparral Pro" pitchFamily="18" charset="0"/>
+              </a:rPr>
+              <a:t>sounds</a:t>
+            </a:r>
+            <a:r>
+              <a:rPr lang="en-US" dirty="0" smtClean="0">
+                <a:latin typeface="Chaparral Pro" pitchFamily="18" charset="0"/>
+              </a:rPr>
+              <a:t> at that location</a:t>
+            </a:r>
+            <a:r>
+              <a:rPr lang="en-US" dirty="0" smtClean="0">
+                <a:latin typeface="Chaparral Pro" pitchFamily="18" charset="0"/>
+              </a:rPr>
+              <a:t>.”</a:t>
+            </a:r>
+            <a:endParaRPr lang="en-US" dirty="0" smtClean="0">
+              <a:latin typeface="Chaparral Pro" pitchFamily="18" charset="0"/>
+            </a:endParaRPr>
+          </a:p>
+          <a:p>
+            <a:pPr>
+              <a:lnSpc>
+                <a:spcPct val="170000"/>
+              </a:lnSpc>
+            </a:pPr>
+            <a:r>
+              <a:rPr lang="en-US" dirty="0" smtClean="0">
+                <a:latin typeface="Chaparral Pro" pitchFamily="18" charset="0"/>
+              </a:rPr>
+              <a:t>“Develop </a:t>
+            </a:r>
+            <a:r>
+              <a:rPr lang="en-US" dirty="0" smtClean="0">
+                <a:latin typeface="Chaparral Pro" pitchFamily="18" charset="0"/>
+              </a:rPr>
+              <a:t>a system that models the acoustics of a given venue and lets users hear how a clip will sound from a given seat</a:t>
+            </a:r>
+            <a:r>
+              <a:rPr lang="en-US" dirty="0" smtClean="0">
+                <a:latin typeface="Chaparral Pro" pitchFamily="18" charset="0"/>
+              </a:rPr>
+              <a:t>.”</a:t>
+            </a:r>
+            <a:endParaRPr lang="en-US" dirty="0" smtClean="0">
+              <a:latin typeface="Chaparral Pro" pitchFamily="18" charset="0"/>
+            </a:endParaRPr>
+          </a:p>
+        </p:txBody>
+      </p:sp>
+      <p:sp>
+        <p:nvSpPr>
+          <p:cNvPr id="4" name="Title 1"/>
+          <p:cNvSpPr txBox="1">
+            <a:spLocks/>
+          </p:cNvSpPr>
+          <p:nvPr/>
+        </p:nvSpPr>
+        <p:spPr>
+          <a:xfrm>
+            <a:off x="0" y="457200"/>
+            <a:ext cx="9144000" cy="1066800"/>
+          </a:xfrm>
+          <a:prstGeom prst="rect">
+            <a:avLst/>
+          </a:prstGeom>
+          <a:gradFill>
+            <a:gsLst>
+              <a:gs pos="0">
+                <a:schemeClr val="accent1">
+                  <a:tint val="66000"/>
+                  <a:satMod val="160000"/>
+                  <a:alpha val="0"/>
+                </a:schemeClr>
+              </a:gs>
+              <a:gs pos="50000">
+                <a:schemeClr val="bg1"/>
+              </a:gs>
+              <a:gs pos="100000">
+                <a:schemeClr val="accent1">
+                  <a:tint val="23500"/>
+                  <a:satMod val="160000"/>
+                  <a:alpha val="0"/>
+                </a:schemeClr>
+              </a:gs>
+            </a:gsLst>
+            <a:lin ang="5400000" scaled="0"/>
+          </a:gradFill>
+        </p:spPr>
+        <p:txBody>
+          <a:bodyPr vert="horz" lIns="45720" rIns="45720" anchor="ctr">
             <a:normAutofit/>
           </a:bodyPr>
           <a:lstStyle/>
           <a:p>
-            <a:pPr algn="ctr"/>
-            <a:r>
-              <a:rPr lang="en-US" sz="4400" b="1" dirty="0" smtClean="0">
+            <a:pPr marL="0" marR="0" lvl="0" indent="0" algn="ctr" defTabSz="914400" rtl="0" eaLnBrk="1" fontAlgn="auto" latinLnBrk="0" hangingPunct="1">
+              <a:lnSpc>
+                <a:spcPct val="100000"/>
+              </a:lnSpc>
+              <a:spcBef>
+                <a:spcPct val="0"/>
+              </a:spcBef>
+              <a:spcAft>
+                <a:spcPts val="0"/>
+              </a:spcAft>
+              <a:buClrTx/>
+              <a:buSzTx/>
+              <a:buFontTx/>
+              <a:buNone/>
+              <a:tabLst/>
+              <a:defRPr/>
+            </a:pPr>
+            <a:r>
+              <a:rPr kumimoji="0" lang="en-US" sz="4400" b="1" i="0" u="none" strike="noStrike" kern="1200" cap="none" spc="0" normalizeH="0" baseline="0" noProof="0" dirty="0" smtClean="0">
                 <a:ln w="19050">
                   <a:solidFill>
                     <a:srgbClr val="92D050"/>
@@ -3990,71 +4170,61 @@
                     </a:srgbClr>
                   </a:outerShdw>
                 </a:effectLst>
+                <a:uLnTx/>
+                <a:uFillTx/>
                 <a:latin typeface="Century Gothic" pitchFamily="34" charset="0"/>
+                <a:ea typeface="+mj-ea"/>
+                <a:cs typeface="+mj-cs"/>
               </a:rPr>
-              <a:t>“Audio Preview for Venues”</a:t>
-            </a:r>
-          </a:p>
-        </p:txBody>
-      </p:sp>
-      <p:sp>
-        <p:nvSpPr>
-          <p:cNvPr id="3" name="Content Placeholder 2"/>
-          <p:cNvSpPr>
-            <a:spLocks noGrp="1"/>
-          </p:cNvSpPr>
-          <p:nvPr>
-            <p:ph idx="1"/>
-          </p:nvPr>
-        </p:nvSpPr>
-        <p:spPr>
-          <a:xfrm>
-            <a:off x="457200" y="1923288"/>
-            <a:ext cx="8229600" cy="4325112"/>
-          </a:xfrm>
-        </p:spPr>
-        <p:txBody>
-          <a:bodyPr>
-            <a:normAutofit fontScale="77500" lnSpcReduction="20000"/>
-          </a:bodyPr>
-          <a:lstStyle/>
-          <a:p>
-            <a:pPr>
-              <a:lnSpc>
-                <a:spcPct val="170000"/>
-              </a:lnSpc>
-            </a:pPr>
-            <a:r>
-              <a:rPr lang="en-US" dirty="0" smtClean="0">
-                <a:latin typeface="Chaparral Pro" pitchFamily="18" charset="0"/>
+              <a:t>“Audio Preview For</a:t>
+            </a:r>
+            <a:r>
+              <a:rPr kumimoji="0" lang="en-US" sz="4400" b="1" i="0" u="none" strike="noStrike" kern="1200" cap="none" spc="0" normalizeH="0" noProof="0" dirty="0" smtClean="0">
+                <a:ln w="19050">
+                  <a:solidFill>
+                    <a:srgbClr val="92D050"/>
+                  </a:solidFill>
+                  <a:prstDash val="solid"/>
+                  <a:miter lim="800000"/>
+                </a:ln>
+                <a:noFill/>
+                <a:effectLst>
+                  <a:outerShdw blurRad="25500" dist="23000" dir="7020000" algn="tl">
+                    <a:srgbClr val="000000">
+                      <a:alpha val="50000"/>
+                    </a:srgbClr>
+                  </a:outerShdw>
+                </a:effectLst>
+                <a:uLnTx/>
+                <a:uFillTx/>
+                <a:latin typeface="Century Gothic" pitchFamily="34" charset="0"/>
+                <a:ea typeface="+mj-ea"/>
+                <a:cs typeface="+mj-cs"/>
               </a:rPr>
-              <a:t>Venues with assigned seating (i.e. concert halls) sometimes provide view simulations from a given seat to allow customers to determine which seat they’d like to buy a ticket for. However, for a person with a visual disability, the more useful information is how the venue </a:t>
-            </a:r>
-            <a:r>
-              <a:rPr lang="en-US" i="1" dirty="0" smtClean="0">
-                <a:latin typeface="Chaparral Pro" pitchFamily="18" charset="0"/>
-              </a:rPr>
-              <a:t>sounds</a:t>
-            </a:r>
-            <a:r>
-              <a:rPr lang="en-US" dirty="0" smtClean="0">
-                <a:latin typeface="Chaparral Pro" pitchFamily="18" charset="0"/>
-              </a:rPr>
-              <a:t> at that location.</a:t>
-            </a:r>
-          </a:p>
-          <a:p>
-            <a:pPr>
-              <a:lnSpc>
-                <a:spcPct val="170000"/>
-              </a:lnSpc>
-            </a:pPr>
-            <a:r>
-              <a:rPr lang="en-US" dirty="0" smtClean="0">
-                <a:latin typeface="Chaparral Pro" pitchFamily="18" charset="0"/>
-              </a:rPr>
-              <a:t>Develop a system that models the acoustics of a given venue and lets users hear how a clip will sound from a given seat.</a:t>
-            </a:r>
+              <a:t> Venues”</a:t>
+            </a:r>
+            <a:endParaRPr kumimoji="0" lang="en-US" sz="4400" b="1" i="0" u="none" strike="noStrike" kern="1200" cap="none" spc="0" normalizeH="0" baseline="0" noProof="0" dirty="0" smtClean="0">
+              <a:ln w="19050">
+                <a:solidFill>
+                  <a:srgbClr val="92D050"/>
+                </a:solidFill>
+                <a:prstDash val="solid"/>
+                <a:miter lim="800000"/>
+              </a:ln>
+              <a:noFill/>
+              <a:effectLst>
+                <a:outerShdw blurRad="25500" dist="23000" dir="7020000" algn="tl">
+                  <a:srgbClr val="000000">
+                    <a:alpha val="50000"/>
+                  </a:srgbClr>
+                </a:outerShdw>
+              </a:effectLst>
+              <a:uLnTx/>
+              <a:uFillTx/>
+              <a:latin typeface="Century Gothic" pitchFamily="34" charset="0"/>
+              <a:ea typeface="+mj-ea"/>
+              <a:cs typeface="+mj-cs"/>
+            </a:endParaRPr>
           </a:p>
         </p:txBody>
       </p:sp>
@@ -4095,29 +4265,242 @@
       </p:grpSpPr>
       <p:sp>
         <p:nvSpPr>
-          <p:cNvPr id="2" name="Title 1"/>
-          <p:cNvSpPr>
-            <a:spLocks noGrp="1"/>
-          </p:cNvSpPr>
-          <p:nvPr>
-            <p:ph type="title"/>
+          <p:cNvPr id="3" name="Content Placeholder 2"/>
+          <p:cNvSpPr>
+            <a:spLocks noGrp="1"/>
+          </p:cNvSpPr>
+          <p:nvPr>
+            <p:ph idx="1"/>
           </p:nvPr>
         </p:nvSpPr>
         <p:spPr>
           <a:xfrm>
-            <a:off x="457200" y="457200"/>
-            <a:ext cx="8229600" cy="1066800"/>
+            <a:off x="457200" y="1676400"/>
+            <a:ext cx="8229600" cy="4495800"/>
           </a:xfrm>
         </p:spPr>
         <p:txBody>
           <a:bodyPr>
+            <a:normAutofit lnSpcReduction="10000"/>
+          </a:bodyPr>
+          <a:lstStyle/>
+          <a:p>
+            <a:pPr>
+              <a:lnSpc>
+                <a:spcPct val="150000"/>
+              </a:lnSpc>
+            </a:pPr>
+            <a:r>
+              <a:rPr lang="en-US" b="1" dirty="0" smtClean="0">
+                <a:latin typeface="Leelawadee" pitchFamily="34" charset="-34"/>
+                <a:cs typeface="Leelawadee" pitchFamily="34" charset="-34"/>
+              </a:rPr>
+              <a:t>Ryan </a:t>
+            </a:r>
+            <a:r>
+              <a:rPr lang="en-US" b="1" dirty="0" err="1" smtClean="0">
+                <a:latin typeface="Leelawadee" pitchFamily="34" charset="-34"/>
+                <a:cs typeface="Leelawadee" pitchFamily="34" charset="-34"/>
+              </a:rPr>
+              <a:t>Tenorio</a:t>
+            </a:r>
+            <a:r>
+              <a:rPr lang="en-US" dirty="0" smtClean="0">
+                <a:latin typeface="Leelawadee" pitchFamily="34" charset="-34"/>
+                <a:cs typeface="Leelawadee" pitchFamily="34" charset="-34"/>
+              </a:rPr>
+              <a:t>, MIDI Master</a:t>
+            </a:r>
+          </a:p>
+          <a:p>
+            <a:pPr>
+              <a:lnSpc>
+                <a:spcPct val="150000"/>
+              </a:lnSpc>
+            </a:pPr>
+            <a:r>
+              <a:rPr lang="en-US" b="1" dirty="0" smtClean="0">
+                <a:latin typeface="Leelawadee" pitchFamily="34" charset="-34"/>
+                <a:cs typeface="Leelawadee" pitchFamily="34" charset="-34"/>
+              </a:rPr>
+              <a:t>Kyle </a:t>
+            </a:r>
+            <a:r>
+              <a:rPr lang="en-US" b="1" dirty="0" err="1" smtClean="0">
+                <a:latin typeface="Leelawadee" pitchFamily="34" charset="-34"/>
+                <a:cs typeface="Leelawadee" pitchFamily="34" charset="-34"/>
+              </a:rPr>
+              <a:t>Mylonakis</a:t>
+            </a:r>
+            <a:r>
+              <a:rPr lang="en-US" dirty="0" smtClean="0">
+                <a:latin typeface="Leelawadee" pitchFamily="34" charset="-34"/>
+                <a:cs typeface="Leelawadee" pitchFamily="34" charset="-34"/>
+              </a:rPr>
+              <a:t>, Acoustic Consigliere</a:t>
+            </a:r>
+          </a:p>
+          <a:p>
+            <a:pPr>
+              <a:lnSpc>
+                <a:spcPct val="150000"/>
+              </a:lnSpc>
+            </a:pPr>
+            <a:r>
+              <a:rPr lang="en-US" b="1" dirty="0" err="1" smtClean="0">
+                <a:latin typeface="Leelawadee" pitchFamily="34" charset="-34"/>
+                <a:cs typeface="Leelawadee" pitchFamily="34" charset="-34"/>
+              </a:rPr>
+              <a:t>Brehon</a:t>
+            </a:r>
+            <a:r>
+              <a:rPr lang="en-US" b="1" dirty="0" smtClean="0">
+                <a:latin typeface="Leelawadee" pitchFamily="34" charset="-34"/>
+                <a:cs typeface="Leelawadee" pitchFamily="34" charset="-34"/>
+              </a:rPr>
+              <a:t> Humphrey</a:t>
+            </a:r>
+            <a:r>
+              <a:rPr lang="en-US" dirty="0" smtClean="0">
+                <a:latin typeface="Leelawadee" pitchFamily="34" charset="-34"/>
+                <a:cs typeface="Leelawadee" pitchFamily="34" charset="-34"/>
+              </a:rPr>
+              <a:t>, Amateur Actor</a:t>
+            </a:r>
+          </a:p>
+          <a:p>
+            <a:pPr>
+              <a:lnSpc>
+                <a:spcPct val="150000"/>
+              </a:lnSpc>
+            </a:pPr>
+            <a:r>
+              <a:rPr lang="en-US" b="1" dirty="0" smtClean="0">
+                <a:latin typeface="Leelawadee" pitchFamily="34" charset="-34"/>
+                <a:cs typeface="Leelawadee" pitchFamily="34" charset="-34"/>
+              </a:rPr>
+              <a:t>Zach Boehm</a:t>
+            </a:r>
+            <a:r>
+              <a:rPr lang="en-US" dirty="0" smtClean="0">
+                <a:latin typeface="Leelawadee" pitchFamily="34" charset="-34"/>
+                <a:cs typeface="Leelawadee" pitchFamily="34" charset="-34"/>
+              </a:rPr>
+              <a:t>, Button Extraordinaire</a:t>
+            </a:r>
+          </a:p>
+          <a:p>
+            <a:pPr>
+              <a:lnSpc>
+                <a:spcPct val="150000"/>
+              </a:lnSpc>
+            </a:pPr>
+            <a:r>
+              <a:rPr lang="en-US" b="1" dirty="0" smtClean="0">
+                <a:latin typeface="Leelawadee" pitchFamily="34" charset="-34"/>
+                <a:cs typeface="Leelawadee" pitchFamily="34" charset="-34"/>
+              </a:rPr>
+              <a:t>Andy Ybarra</a:t>
+            </a:r>
+            <a:r>
+              <a:rPr lang="en-US" dirty="0" smtClean="0">
+                <a:latin typeface="Leelawadee" pitchFamily="34" charset="-34"/>
+                <a:cs typeface="Leelawadee" pitchFamily="34" charset="-34"/>
+              </a:rPr>
+              <a:t>, Applet Maharishi</a:t>
+            </a:r>
+          </a:p>
+          <a:p>
+            <a:pPr>
+              <a:lnSpc>
+                <a:spcPct val="150000"/>
+              </a:lnSpc>
+            </a:pPr>
+            <a:r>
+              <a:rPr lang="en-US" b="1" dirty="0" smtClean="0">
+                <a:latin typeface="Leelawadee" pitchFamily="34" charset="-34"/>
+                <a:cs typeface="Leelawadee" pitchFamily="34" charset="-34"/>
+              </a:rPr>
+              <a:t>Jonathan Sun</a:t>
+            </a:r>
+            <a:r>
+              <a:rPr lang="en-US" dirty="0" smtClean="0">
+                <a:latin typeface="Leelawadee" pitchFamily="34" charset="-34"/>
+                <a:cs typeface="Leelawadee" pitchFamily="34" charset="-34"/>
+              </a:rPr>
+              <a:t>, Vector Visionary</a:t>
+            </a:r>
+            <a:endParaRPr lang="en-US" dirty="0">
+              <a:latin typeface="Leelawadee" pitchFamily="34" charset="-34"/>
+              <a:cs typeface="Leelawadee" pitchFamily="34" charset="-34"/>
+            </a:endParaRPr>
+          </a:p>
+        </p:txBody>
+      </p:sp>
+      <p:sp>
+        <p:nvSpPr>
+          <p:cNvPr id="4" name="Title 1"/>
+          <p:cNvSpPr txBox="1">
+            <a:spLocks/>
+          </p:cNvSpPr>
+          <p:nvPr/>
+        </p:nvSpPr>
+        <p:spPr>
+          <a:xfrm>
+            <a:off x="0" y="381000"/>
+            <a:ext cx="9144000" cy="1066800"/>
+          </a:xfrm>
+          <a:prstGeom prst="rect">
+            <a:avLst/>
+          </a:prstGeom>
+          <a:gradFill>
+            <a:gsLst>
+              <a:gs pos="0">
+                <a:schemeClr val="accent1">
+                  <a:tint val="66000"/>
+                  <a:satMod val="160000"/>
+                  <a:alpha val="0"/>
+                </a:schemeClr>
+              </a:gs>
+              <a:gs pos="50000">
+                <a:schemeClr val="bg1"/>
+              </a:gs>
+              <a:gs pos="100000">
+                <a:schemeClr val="accent1">
+                  <a:tint val="23500"/>
+                  <a:satMod val="160000"/>
+                  <a:alpha val="0"/>
+                </a:schemeClr>
+              </a:gs>
+            </a:gsLst>
+            <a:lin ang="5400000" scaled="0"/>
+          </a:gradFill>
+        </p:spPr>
+        <p:txBody>
+          <a:bodyPr vert="horz" lIns="45720" rIns="45720" anchor="ctr">
             <a:normAutofit/>
           </a:bodyPr>
           <a:lstStyle/>
           <a:p>
-            <a:pPr algn="ctr"/>
-            <a:r>
-              <a:rPr lang="en-US" sz="4400" b="1" dirty="0" smtClean="0">
+            <a:pPr marL="0" marR="0" lvl="0" indent="0" algn="ctr" defTabSz="914400" rtl="0" eaLnBrk="1" fontAlgn="auto" latinLnBrk="0" hangingPunct="1">
+              <a:lnSpc>
+                <a:spcPct val="100000"/>
+              </a:lnSpc>
+              <a:spcBef>
+                <a:spcPct val="0"/>
+              </a:spcBef>
+              <a:spcAft>
+                <a:spcPts val="0"/>
+              </a:spcAft>
+              <a:buClrTx/>
+              <a:buSzTx/>
+              <a:buFontTx/>
+              <a:buNone/>
+              <a:tabLst/>
+              <a:defRPr/>
+            </a:pPr>
+            <a:r>
+              <a:rPr kumimoji="0" lang="en-US" sz="4400" b="1" i="0" u="none" strike="noStrike" kern="1200" cap="none" spc="0" normalizeH="0" baseline="0" noProof="0" dirty="0" smtClean="0">
                 <a:ln w="19050">
                   <a:solidFill>
                     <a:srgbClr val="92D050"/>
@@ -4133,12 +4516,16 @@
                     </a:srgbClr>
                   </a:outerShdw>
                 </a:effectLst>
+                <a:uLnTx/>
+                <a:uFillTx/>
                 <a:latin typeface="Century Gothic" pitchFamily="34" charset="0"/>
+                <a:ea typeface="+mj-ea"/>
+                <a:cs typeface="+mj-cs"/>
               </a:rPr>
               <a:t>MIDI-</a:t>
             </a:r>
             <a:r>
-              <a:rPr lang="en-US" sz="4400" b="1" dirty="0" err="1" smtClean="0">
+              <a:rPr kumimoji="0" lang="en-US" sz="4400" b="1" i="0" u="none" strike="noStrike" kern="1200" cap="none" spc="0" normalizeH="0" baseline="0" noProof="0" dirty="0" err="1" smtClean="0">
                 <a:ln w="19050">
                   <a:solidFill>
                     <a:srgbClr val="92D050"/>
@@ -4154,12 +4541,16 @@
                     </a:srgbClr>
                   </a:outerShdw>
                 </a:effectLst>
+                <a:uLnTx/>
+                <a:uFillTx/>
                 <a:latin typeface="Century Gothic" pitchFamily="34" charset="0"/>
+                <a:ea typeface="+mj-ea"/>
+                <a:cs typeface="+mj-cs"/>
               </a:rPr>
               <a:t>PoP</a:t>
             </a:r>
             <a:r>
-              <a:rPr lang="en-US" sz="4400" b="1" dirty="0" smtClean="0">
+              <a:rPr kumimoji="0" lang="en-US" sz="4400" b="1" i="0" u="none" strike="noStrike" kern="1200" cap="none" spc="0" normalizeH="0" noProof="0" dirty="0" smtClean="0">
                 <a:ln w="19050">
                   <a:solidFill>
                     <a:srgbClr val="92D050"/>
@@ -4175,32 +4566,15 @@
                     </a:srgbClr>
                   </a:outerShdw>
                 </a:effectLst>
+                <a:uLnTx/>
+                <a:uFillTx/>
                 <a:latin typeface="Century Gothic" pitchFamily="34" charset="0"/>
+                <a:ea typeface="+mj-ea"/>
+                <a:cs typeface="+mj-cs"/>
               </a:rPr>
-              <a:t> </a:t>
-            </a:r>
-            <a:r>
-              <a:rPr lang="en-US" sz="4400" b="1" dirty="0" smtClean="0">
-                <a:ln w="19050">
-                  <a:solidFill>
-                    <a:srgbClr val="92D050"/>
-                  </a:solidFill>
-                  <a:prstDash val="solid"/>
-                  <a:miter lim="800000"/>
-                </a:ln>
-                <a:noFill/>
-                <a:effectLst>
-                  <a:outerShdw blurRad="25500" dist="23000" dir="7020000" algn="tl">
-                    <a:srgbClr val="000000">
-                      <a:alpha val="50000"/>
-                    </a:srgbClr>
-                  </a:outerShdw>
-                </a:effectLst>
-                <a:latin typeface="Century Gothic" pitchFamily="34" charset="0"/>
-              </a:rPr>
-              <a:t>Team Members</a:t>
-            </a:r>
-            <a:endParaRPr lang="en-US" sz="4400" b="1" dirty="0">
+              <a:t> Team Members</a:t>
+            </a:r>
+            <a:endParaRPr kumimoji="0" lang="en-US" sz="4400" b="1" i="0" u="none" strike="noStrike" kern="1200" cap="none" spc="0" normalizeH="0" baseline="0" noProof="0" dirty="0" smtClean="0">
               <a:ln w="19050">
                 <a:solidFill>
                   <a:srgbClr val="92D050"/>
@@ -4216,181 +4590,11 @@
                   </a:srgbClr>
                 </a:outerShdw>
               </a:effectLst>
+              <a:uLnTx/>
+              <a:uFillTx/>
               <a:latin typeface="Century Gothic" pitchFamily="34" charset="0"/>
-            </a:endParaRPr>
-          </a:p>
-        </p:txBody>
-      </p:sp>
-      <p:sp>
-        <p:nvSpPr>
-          <p:cNvPr id="3" name="Content Placeholder 2"/>
-          <p:cNvSpPr>
-            <a:spLocks noGrp="1"/>
-          </p:cNvSpPr>
-          <p:nvPr>
-            <p:ph idx="1"/>
-          </p:nvPr>
-        </p:nvSpPr>
-        <p:spPr>
-          <a:xfrm>
-            <a:off x="457200" y="1676400"/>
-            <a:ext cx="8229600" cy="4495800"/>
-          </a:xfrm>
-        </p:spPr>
-        <p:txBody>
-          <a:bodyPr>
-            <a:normAutofit lnSpcReduction="10000"/>
-          </a:bodyPr>
-          <a:lstStyle/>
-          <a:p>
-            <a:pPr>
-              <a:lnSpc>
-                <a:spcPct val="150000"/>
-              </a:lnSpc>
-            </a:pPr>
-            <a:r>
-              <a:rPr lang="en-US" b="1" dirty="0" smtClean="0">
-                <a:latin typeface="Leelawadee" pitchFamily="34" charset="-34"/>
-                <a:cs typeface="Leelawadee" pitchFamily="34" charset="-34"/>
-              </a:rPr>
-              <a:t>Ryan </a:t>
-            </a:r>
-            <a:r>
-              <a:rPr lang="en-US" b="1" dirty="0" err="1" smtClean="0">
-                <a:latin typeface="Leelawadee" pitchFamily="34" charset="-34"/>
-                <a:cs typeface="Leelawadee" pitchFamily="34" charset="-34"/>
-              </a:rPr>
-              <a:t>Tenorio</a:t>
-            </a:r>
-            <a:r>
-              <a:rPr lang="en-US" dirty="0" smtClean="0">
-                <a:latin typeface="Leelawadee" pitchFamily="34" charset="-34"/>
-                <a:cs typeface="Leelawadee" pitchFamily="34" charset="-34"/>
-              </a:rPr>
-              <a:t>, MIDI Master</a:t>
-            </a:r>
-          </a:p>
-          <a:p>
-            <a:pPr>
-              <a:lnSpc>
-                <a:spcPct val="150000"/>
-              </a:lnSpc>
-            </a:pPr>
-            <a:r>
-              <a:rPr lang="en-US" b="1" dirty="0" smtClean="0">
-                <a:latin typeface="Leelawadee" pitchFamily="34" charset="-34"/>
-                <a:cs typeface="Leelawadee" pitchFamily="34" charset="-34"/>
-              </a:rPr>
-              <a:t>Kyle </a:t>
-            </a:r>
-            <a:r>
-              <a:rPr lang="en-US" b="1" dirty="0" err="1" smtClean="0">
-                <a:latin typeface="Leelawadee" pitchFamily="34" charset="-34"/>
-                <a:cs typeface="Leelawadee" pitchFamily="34" charset="-34"/>
-              </a:rPr>
-              <a:t>Mylonakis</a:t>
-            </a:r>
-            <a:r>
-              <a:rPr lang="en-US" dirty="0" smtClean="0">
-                <a:latin typeface="Leelawadee" pitchFamily="34" charset="-34"/>
-                <a:cs typeface="Leelawadee" pitchFamily="34" charset="-34"/>
-              </a:rPr>
-              <a:t>, Acoustic Consigliere</a:t>
-            </a:r>
-          </a:p>
-          <a:p>
-            <a:pPr>
-              <a:lnSpc>
-                <a:spcPct val="150000"/>
-              </a:lnSpc>
-            </a:pPr>
-            <a:r>
-              <a:rPr lang="en-US" b="1" dirty="0" err="1" smtClean="0">
-                <a:latin typeface="Leelawadee" pitchFamily="34" charset="-34"/>
-                <a:cs typeface="Leelawadee" pitchFamily="34" charset="-34"/>
-              </a:rPr>
-              <a:t>Brehon</a:t>
-            </a:r>
-            <a:r>
-              <a:rPr lang="en-US" b="1" dirty="0" smtClean="0">
-                <a:latin typeface="Leelawadee" pitchFamily="34" charset="-34"/>
-                <a:cs typeface="Leelawadee" pitchFamily="34" charset="-34"/>
-              </a:rPr>
-              <a:t> Humphrey</a:t>
-            </a:r>
-            <a:r>
-              <a:rPr lang="en-US" dirty="0" smtClean="0">
-                <a:latin typeface="Leelawadee" pitchFamily="34" charset="-34"/>
-                <a:cs typeface="Leelawadee" pitchFamily="34" charset="-34"/>
-              </a:rPr>
-              <a:t>, Amateur Actor</a:t>
-            </a:r>
-          </a:p>
-          <a:p>
-            <a:pPr>
-              <a:lnSpc>
-                <a:spcPct val="150000"/>
-              </a:lnSpc>
-            </a:pPr>
-            <a:r>
-              <a:rPr lang="en-US" b="1" dirty="0" smtClean="0">
-                <a:latin typeface="Leelawadee" pitchFamily="34" charset="-34"/>
-                <a:cs typeface="Leelawadee" pitchFamily="34" charset="-34"/>
-              </a:rPr>
-              <a:t>Zach Boehm</a:t>
-            </a:r>
-            <a:r>
-              <a:rPr lang="en-US" dirty="0" smtClean="0">
-                <a:latin typeface="Leelawadee" pitchFamily="34" charset="-34"/>
-                <a:cs typeface="Leelawadee" pitchFamily="34" charset="-34"/>
-              </a:rPr>
-              <a:t>, Button Extraordinaire</a:t>
-            </a:r>
-          </a:p>
-          <a:p>
-            <a:pPr>
-              <a:lnSpc>
-                <a:spcPct val="150000"/>
-              </a:lnSpc>
-            </a:pPr>
-            <a:r>
-              <a:rPr lang="en-US" b="1" dirty="0" smtClean="0">
-                <a:latin typeface="Leelawadee" pitchFamily="34" charset="-34"/>
-                <a:cs typeface="Leelawadee" pitchFamily="34" charset="-34"/>
-              </a:rPr>
-              <a:t>Andy Ybarra</a:t>
-            </a:r>
-            <a:r>
-              <a:rPr lang="en-US" dirty="0" smtClean="0">
-                <a:latin typeface="Leelawadee" pitchFamily="34" charset="-34"/>
-                <a:cs typeface="Leelawadee" pitchFamily="34" charset="-34"/>
-              </a:rPr>
-              <a:t>, Applet Maharishi</a:t>
-            </a:r>
-          </a:p>
-          <a:p>
-            <a:pPr>
-              <a:lnSpc>
-                <a:spcPct val="150000"/>
-              </a:lnSpc>
-            </a:pPr>
-            <a:r>
-              <a:rPr lang="en-US" b="1" dirty="0" smtClean="0">
-                <a:latin typeface="Leelawadee" pitchFamily="34" charset="-34"/>
-                <a:cs typeface="Leelawadee" pitchFamily="34" charset="-34"/>
-              </a:rPr>
-              <a:t>Jonathan Sun</a:t>
-            </a:r>
-            <a:r>
-              <a:rPr lang="en-US" dirty="0" smtClean="0">
-                <a:latin typeface="Leelawadee" pitchFamily="34" charset="-34"/>
-                <a:cs typeface="Leelawadee" pitchFamily="34" charset="-34"/>
-              </a:rPr>
-              <a:t>, Vector Visionary</a:t>
-            </a:r>
-            <a:endParaRPr lang="en-US" dirty="0">
-              <a:latin typeface="Leelawadee" pitchFamily="34" charset="-34"/>
-              <a:cs typeface="Leelawadee" pitchFamily="34" charset="-34"/>
+              <a:ea typeface="+mj-ea"/>
+              <a:cs typeface="+mj-cs"/>
             </a:endParaRPr>
           </a:p>
         </p:txBody>
@@ -4430,31 +4634,93 @@
           <a:chExt cx="0" cy="0"/>
         </a:xfrm>
       </p:grpSpPr>
-      <p:sp>
-        <p:nvSpPr>
-          <p:cNvPr id="2" name="Title 1"/>
-          <p:cNvSpPr>
-            <a:spLocks noGrp="1"/>
-          </p:cNvSpPr>
-          <p:nvPr>
-            <p:ph type="title"/>
-          </p:nvPr>
-        </p:nvSpPr>
+      <p:pic>
+        <p:nvPicPr>
+          <p:cNvPr id="4" name="Content Placeholder 3" descr="planningToPlan.JPG"/>
+          <p:cNvPicPr>
+            <a:picLocks noGrp="1" noChangeAspect="1"/>
+          </p:cNvPicPr>
+          <p:nvPr>
+            <p:ph idx="1"/>
+          </p:nvPr>
+        </p:nvPicPr>
+        <p:blipFill>
+          <a:blip r:embed="rId2" cstate="print"/>
+          <a:stretch>
+            <a:fillRect/>
+          </a:stretch>
+        </p:blipFill>
         <p:spPr>
           <a:xfrm>
-            <a:off x="457200" y="152400"/>
-            <a:ext cx="8229600" cy="1066800"/>
+            <a:off x="515161" y="1295400"/>
+            <a:ext cx="8171639" cy="5257800"/>
           </a:xfrm>
         </p:spPr>
-        <p:txBody>
-          <a:bodyPr>
+      </p:pic>
+      <p:sp>
+        <p:nvSpPr>
+          <p:cNvPr id="5" name="Title 1"/>
+          <p:cNvSpPr txBox="1">
+            <a:spLocks/>
+          </p:cNvSpPr>
+          <p:nvPr/>
+        </p:nvSpPr>
+        <p:spPr>
+          <a:xfrm>
+            <a:off x="0" y="0"/>
+            <a:ext cx="9144000" cy="1066800"/>
+          </a:xfrm>
+          <a:prstGeom prst="rect">
+            <a:avLst/>
+          </a:prstGeom>
+          <a:gradFill>
+            <a:gsLst>
+              <a:gs pos="0">
+                <a:schemeClr val="accent1">
+                  <a:tint val="66000"/>
+                  <a:satMod val="160000"/>
+                  <a:alpha val="0"/>
+                </a:schemeClr>
+              </a:gs>
+              <a:gs pos="50000">
+                <a:schemeClr val="bg1"/>
+              </a:gs>
+              <a:gs pos="100000">
+                <a:schemeClr val="accent1">
+                  <a:tint val="23500"/>
+                  <a:satMod val="160000"/>
+                  <a:alpha val="0"/>
+                </a:schemeClr>
+              </a:gs>
+            </a:gsLst>
+            <a:lin ang="5400000" scaled="0"/>
+          </a:gradFill>
+        </p:spPr>
+        <p:txBody>
+          <a:bodyPr vert="horz" lIns="45720" rIns="45720" anchor="ctr">
             <a:normAutofit/>
           </a:bodyPr>
           <a:lstStyle/>
           <a:p>
-            <a:pPr algn="ctr"/>
-            <a:r>
-              <a:rPr lang="en-US" sz="4400" b="1" dirty="0" smtClean="0">
+            <a:pPr marL="0" marR="0" lvl="0" indent="0" algn="ctr" defTabSz="914400" rtl="0" eaLnBrk="1" fontAlgn="auto" latinLnBrk="0" hangingPunct="1">
+              <a:lnSpc>
+                <a:spcPct val="100000"/>
+              </a:lnSpc>
+              <a:spcBef>
+                <a:spcPct val="0"/>
+              </a:spcBef>
+              <a:spcAft>
+                <a:spcPts val="0"/>
+              </a:spcAft>
+              <a:buClrTx/>
+              <a:buSzTx/>
+              <a:buFontTx/>
+              <a:buNone/>
+              <a:tabLst/>
+              <a:defRPr/>
+            </a:pPr>
+            <a:r>
+              <a:rPr kumimoji="0" lang="en-US" sz="4400" b="1" i="0" u="none" strike="noStrike" kern="1200" cap="none" spc="0" normalizeH="0" baseline="0" noProof="0" dirty="0" smtClean="0">
                 <a:ln w="19050">
                   <a:solidFill>
                     <a:srgbClr val="92D050"/>
@@ -4470,13 +4736,125 @@
                     </a:srgbClr>
                   </a:outerShdw>
                 </a:effectLst>
+                <a:uLnTx/>
+                <a:uFillTx/>
                 <a:latin typeface="Century Gothic" pitchFamily="34" charset="0"/>
+                <a:ea typeface="+mj-ea"/>
+                <a:cs typeface="+mj-cs"/>
               </a:rPr>
-              <a:t>Planning To Plan</a:t>
-            </a:r>
-          </a:p>
-        </p:txBody>
-      </p:sp>
+              <a:t>Planning To</a:t>
+            </a:r>
+            <a:r>
+              <a:rPr kumimoji="0" lang="en-US" sz="4400" b="1" i="0" u="none" strike="noStrike" kern="1200" cap="none" spc="0" normalizeH="0" noProof="0" dirty="0" smtClean="0">
+                <a:ln w="19050">
+                  <a:solidFill>
+                    <a:srgbClr val="92D050"/>
+                  </a:solidFill>
+                  <a:prstDash val="solid"/>
+                  <a:miter lim="800000"/>
+                </a:ln>
+                <a:noFill/>
+                <a:effectLst>
+                  <a:outerShdw blurRad="25500" dist="23000" dir="7020000" algn="tl">
+                    <a:srgbClr val="000000">
+                      <a:alpha val="50000"/>
+                    </a:srgbClr>
+                  </a:outerShdw>
+                </a:effectLst>
+                <a:uLnTx/>
+                <a:uFillTx/>
+                <a:latin typeface="Century Gothic" pitchFamily="34" charset="0"/>
+                <a:ea typeface="+mj-ea"/>
+                <a:cs typeface="+mj-cs"/>
+              </a:rPr>
+              <a:t> Plan</a:t>
+            </a:r>
+            <a:endParaRPr kumimoji="0" lang="en-US" sz="4400" b="1" i="0" u="none" strike="noStrike" kern="1200" cap="none" spc="0" normalizeH="0" baseline="0" noProof="0" dirty="0" smtClean="0">
+              <a:ln w="19050">
+                <a:solidFill>
+                  <a:srgbClr val="92D050"/>
+                </a:solidFill>
+                <a:prstDash val="solid"/>
+                <a:miter lim="800000"/>
+              </a:ln>
+              <a:noFill/>
+              <a:effectLst>
+                <a:outerShdw blurRad="25500" dist="23000" dir="7020000" algn="tl">
+                  <a:srgbClr val="000000">
+                    <a:alpha val="50000"/>
+                  </a:srgbClr>
+                </a:outerShdw>
+              </a:effectLst>
+              <a:uLnTx/>
+              <a:uFillTx/>
+              <a:latin typeface="Century Gothic" pitchFamily="34" charset="0"/>
+              <a:ea typeface="+mj-ea"/>
+              <a:cs typeface="+mj-cs"/>
+            </a:endParaRPr>
+          </a:p>
+        </p:txBody>
+      </p:sp>
+    </p:spTree>
+  </p:cSld>
+  <p:clrMapOvr>
+    <a:masterClrMapping/>
+  </p:clrMapOvr>
+  <p:transition spd="slow">
+    <p:fade/>
+  </p:transition>
+  <p:timing>
+    <p:tnLst>
+      <p:par>
+        <p:cTn id="1" dur="indefinite" restart="never" nodeType="tmRoot"/>
+      </p:par>
+    </p:tnLst>
+  </p:timing>
+</p:sld>
+</file>
+
+<file path=ppt/slides/slide5.xml><?xml version="1.0" encoding="utf-8"?>
+<p:sld xmlns:a="http://schemas.openxmlformats.org/drawingml/2006/main" xmlns:r="http://schemas.openxmlformats.org/officeDocument/2006/relationships" xmlns:p="http://schemas.openxmlformats.org/presentationml/2006/main">
+  <p:cSld>
+    <p:spTree>
+      <p:nvGrpSpPr>
+        <p:cNvPr id="1" name=""/>
+        <p:cNvGrpSpPr/>
+        <p:nvPr/>
+      </p:nvGrpSpPr>
+      <p:grpSpPr>
+        <a:xfrm>
+          <a:off x="0" y="0"/>
+          <a:ext cx="0" cy="0"/>
+          <a:chOff x="0" y="0"/>
+          <a:chExt cx="0" cy="0"/>
+        </a:xfrm>
+      </p:grpSpPr>
+      <p:pic>
+        <p:nvPicPr>
+          <p:cNvPr id="1026" name="Picture 2" descr="C:\Users\Jonathan\Documents\EclipseWorkspace\SS12_AudioPreview\presentation\IMG_0067.JPG"/>
+          <p:cNvPicPr>
+            <a:picLocks noChangeAspect="1" noChangeArrowheads="1"/>
+          </p:cNvPicPr>
+          <p:nvPr/>
+        </p:nvPicPr>
+        <p:blipFill>
+          <a:blip r:embed="rId2" cstate="print"/>
+          <a:srcRect t="15725" r="6295"/>
+          <a:stretch>
+            <a:fillRect/>
+          </a:stretch>
+        </p:blipFill>
+        <p:spPr bwMode="auto">
+          <a:xfrm>
+            <a:off x="838199" y="1295400"/>
+            <a:ext cx="7543801" cy="5257800"/>
+          </a:xfrm>
+          <a:prstGeom prst="rect">
+            <a:avLst/>
+          </a:prstGeom>
+          <a:noFill/>
+        </p:spPr>
+      </p:pic>
       <p:pic>
         <p:nvPicPr>
           <p:cNvPr id="3075" name="Picture 3" descr="C:\Users\Jonathan\Documents\EclipseWorkspace\SS12_AudioPreview\presentation\hallDesigningWidened.jpg"/>
@@ -4486,7 +4864,7 @@
           <p:nvPr/>
         </p:nvPicPr>
         <p:blipFill>
-          <a:blip r:embed="rId2" cstate="print"/>
+          <a:blip r:embed="rId3" cstate="print"/>
           <a:srcRect t="7246"/>
           <a:stretch>
             <a:fillRect/>
@@ -4503,29 +4881,96 @@
           <a:noFill/>
         </p:spPr>
       </p:pic>
-      <p:pic>
-        <p:nvPicPr>
-          <p:cNvPr id="4" name="Content Placeholder 3" descr="planningToPlan.JPG"/>
-          <p:cNvPicPr>
-            <a:picLocks noGrp="1" noChangeAspect="1"/>
-          </p:cNvPicPr>
-          <p:nvPr>
-            <p:ph idx="1"/>
-          </p:nvPr>
-        </p:nvPicPr>
-        <p:blipFill>
-          <a:blip r:embed="rId3" cstate="print"/>
-          <a:stretch>
-            <a:fillRect/>
-          </a:stretch>
-        </p:blipFill>
+      <p:sp>
+        <p:nvSpPr>
+          <p:cNvPr id="6" name="Title 1"/>
+          <p:cNvSpPr txBox="1">
+            <a:spLocks/>
+          </p:cNvSpPr>
+          <p:nvPr/>
+        </p:nvSpPr>
         <p:spPr>
           <a:xfrm>
-            <a:off x="515161" y="1295400"/>
-            <a:ext cx="8171639" cy="5257800"/>
+            <a:off x="0" y="0"/>
+            <a:ext cx="9144000" cy="1066800"/>
           </a:xfrm>
+          <a:prstGeom prst="rect">
+            <a:avLst/>
+          </a:prstGeom>
+          <a:gradFill>
+            <a:gsLst>
+              <a:gs pos="0">
+                <a:schemeClr val="accent1">
+                  <a:tint val="66000"/>
+                  <a:satMod val="160000"/>
+                  <a:alpha val="0"/>
+                </a:schemeClr>
+              </a:gs>
+              <a:gs pos="50000">
+                <a:schemeClr val="bg1"/>
+              </a:gs>
+              <a:gs pos="100000">
+                <a:schemeClr val="accent1">
+                  <a:tint val="23500"/>
+                  <a:satMod val="160000"/>
+                  <a:alpha val="0"/>
+                </a:schemeClr>
+              </a:gs>
+            </a:gsLst>
+            <a:lin ang="5400000" scaled="0"/>
+          </a:gradFill>
         </p:spPr>
-      </p:pic>
+        <p:txBody>
+          <a:bodyPr vert="horz" lIns="45720" rIns="45720" anchor="ctr">
+            <a:normAutofit/>
+          </a:bodyPr>
+          <a:lstStyle/>
+          <a:p>
+            <a:pPr marL="0" marR="0" lvl="0" indent="0" algn="ctr" defTabSz="914400" rtl="0" eaLnBrk="1" fontAlgn="auto" latinLnBrk="0" hangingPunct="1">
+              <a:lnSpc>
+                <a:spcPct val="100000"/>
+              </a:lnSpc>
+              <a:spcBef>
+                <a:spcPct val="0"/>
+              </a:spcBef>
+              <a:spcAft>
+                <a:spcPts val="0"/>
+              </a:spcAft>
+              <a:buClrTx/>
+              <a:buSzTx/>
+              <a:buFontTx/>
+              <a:buNone/>
+              <a:tabLst/>
+              <a:defRPr/>
+            </a:pPr>
+            <a:r>
+              <a:rPr kumimoji="0" lang="en-US" sz="4400" b="1" i="0" u="none" strike="noStrike" kern="1200" cap="none" spc="0" normalizeH="0" baseline="0" noProof="0" dirty="0" smtClean="0">
+                <a:ln w="19050">
+                  <a:solidFill>
+                    <a:srgbClr val="92D050"/>
+                  </a:solidFill>
+                  <a:prstDash val="solid"/>
+                  <a:miter lim="800000"/>
+                </a:ln>
+                <a:noFill/>
+                <a:effectLst>
+                  <a:outerShdw blurRad="25500" dist="23000" dir="7020000" algn="tl">
+                    <a:srgbClr val="000000">
+                      <a:alpha val="50000"/>
+                    </a:srgbClr>
+                  </a:outerShdw>
+                </a:effectLst>
+                <a:uLnTx/>
+                <a:uFillTx/>
+                <a:latin typeface="Century Gothic" pitchFamily="34" charset="0"/>
+                <a:ea typeface="+mj-ea"/>
+                <a:cs typeface="+mj-cs"/>
+              </a:rPr>
+              <a:t>Blueprints</a:t>
+            </a:r>
+          </a:p>
+        </p:txBody>
+      </p:sp>
     </p:spTree>
   </p:cSld>
   <p:clrMapOvr>
@@ -4564,7 +5009,7 @@
                                       <p:cBhvr>
                                         <p:cTn id="6" dur="500"/>
                                         <p:tgtEl>
-                                          <p:spTgt spid="4"/>
+                                          <p:spTgt spid="3075"/>
                                         </p:tgtEl>
                                       </p:cBhvr>
                                     </p:animEffect>
@@ -4576,7 +5021,7 @@
                                           </p:stCondLst>
                                         </p:cTn>
                                         <p:tgtEl>
-                                          <p:spTgt spid="4"/>
+                                          <p:spTgt spid="3075"/>
                                         </p:tgtEl>
                                         <p:attrNameLst>
                                           <p:attrName>style.visibility</p:attrName>
@@ -4620,7 +5065,7 @@
 </p:sld>
 </file>
 
-<file path=ppt/slides/slide5.xml><?xml version="1.0" encoding="utf-8"?>
+<file path=ppt/slides/slide6.xml><?xml version="1.0" encoding="utf-8"?>
 <p:sld xmlns:a="http://schemas.openxmlformats.org/drawingml/2006/main" xmlns:r="http://schemas.openxmlformats.org/officeDocument/2006/relationships" xmlns:p="http://schemas.openxmlformats.org/presentationml/2006/main">
   <p:cSld>
     <p:spTree>
@@ -4639,26 +5084,76 @@
       </p:grpSpPr>
       <p:sp>
         <p:nvSpPr>
-          <p:cNvPr id="3" name="Content Placeholder 2"/>
-          <p:cNvSpPr>
-            <a:spLocks noGrp="1"/>
-          </p:cNvSpPr>
-          <p:nvPr>
-            <p:ph idx="1"/>
-          </p:nvPr>
-        </p:nvSpPr>
-        <p:spPr/>
-        <p:txBody>
-          <a:bodyPr/>
+          <p:cNvPr id="2" name="Title 1"/>
+          <p:cNvSpPr>
+            <a:spLocks noGrp="1"/>
+          </p:cNvSpPr>
+          <p:nvPr>
+            <p:ph type="title"/>
+          </p:nvPr>
+        </p:nvSpPr>
+        <p:spPr>
+          <a:xfrm>
+            <a:off x="0" y="0"/>
+            <a:ext cx="9144000" cy="1066800"/>
+          </a:xfrm>
+          <a:gradFill>
+            <a:gsLst>
+              <a:gs pos="0">
+                <a:schemeClr val="accent1">
+                  <a:tint val="66000"/>
+                  <a:satMod val="160000"/>
+                  <a:alpha val="0"/>
+                </a:schemeClr>
+              </a:gs>
+              <a:gs pos="50000">
+                <a:schemeClr val="bg1"/>
+              </a:gs>
+              <a:gs pos="100000">
+                <a:schemeClr val="accent1">
+                  <a:tint val="23500"/>
+                  <a:satMod val="160000"/>
+                  <a:alpha val="0"/>
+                </a:schemeClr>
+              </a:gs>
+            </a:gsLst>
+            <a:lin ang="5400000" scaled="0"/>
+          </a:gradFill>
+        </p:spPr>
+        <p:txBody>
+          <a:bodyPr vert="horz" lIns="45720" rIns="45720" anchor="ctr">
+            <a:normAutofit/>
+          </a:bodyPr>
           <a:lstStyle/>
           <a:p>
-            <a:endParaRPr lang="en-US" dirty="0"/>
+            <a:pPr algn="ctr"/>
+            <a:r>
+              <a:rPr lang="en-US" sz="4400" b="1" dirty="0" smtClean="0">
+                <a:ln w="19050">
+                  <a:solidFill>
+                    <a:srgbClr val="92D050"/>
+                  </a:solidFill>
+                  <a:prstDash val="solid"/>
+                  <a:miter lim="800000"/>
+                </a:ln>
+                <a:noFill/>
+                <a:effectLst>
+                  <a:outerShdw blurRad="25500" dist="23000" dir="7020000" algn="tl">
+                    <a:srgbClr val="000000">
+                      <a:alpha val="50000"/>
+                    </a:srgbClr>
+                  </a:outerShdw>
+                </a:effectLst>
+                <a:latin typeface="Century Gothic" pitchFamily="34" charset="0"/>
+              </a:rPr>
+              <a:t>Division</a:t>
+            </a:r>
           </a:p>
         </p:txBody>
       </p:sp>
       <p:pic>
         <p:nvPicPr>
-          <p:cNvPr id="1026" name="Picture 2" descr="C:\Users\Jonathan\Documents\EclipseWorkspace\SS12_AudioPreview\presentation\working3.JPG"/>
+          <p:cNvPr id="4" name="Picture 5" descr="C:\Users\Jonathan\Documents\EclipseWorkspace\SS12_AudioPreview\presentation\working2.JPG"/>
           <p:cNvPicPr>
             <a:picLocks noChangeAspect="1" noChangeArrowheads="1"/>
           </p:cNvPicPr>
@@ -4673,8 +5168,8 @@
         </p:blipFill>
         <p:spPr bwMode="auto">
           <a:xfrm>
-            <a:off x="0" y="0"/>
-            <a:ext cx="4572000" cy="3429000"/>
+            <a:off x="762000" y="1174619"/>
+            <a:ext cx="7696200" cy="5454781"/>
           </a:xfrm>
           <a:prstGeom prst="rect">
             <a:avLst/>
@@ -4682,6 +5177,468 @@
           <a:noFill/>
         </p:spPr>
       </p:pic>
+      <p:sp>
+        <p:nvSpPr>
+          <p:cNvPr id="5" name="Title 1"/>
+          <p:cNvSpPr txBox="1">
+            <a:spLocks/>
+          </p:cNvSpPr>
+          <p:nvPr/>
+        </p:nvSpPr>
+        <p:spPr>
+          <a:xfrm>
+            <a:off x="-304800" y="3657600"/>
+            <a:ext cx="4114800" cy="994410"/>
+          </a:xfrm>
+          <a:prstGeom prst="rect">
+            <a:avLst/>
+          </a:prstGeom>
+          <a:noFill/>
+        </p:spPr>
+        <p:txBody>
+          <a:bodyPr vert="horz" lIns="45720" rIns="45720" anchor="ctr">
+            <a:noAutofit/>
+          </a:bodyPr>
+          <a:lstStyle/>
+          <a:p>
+            <a:pPr marL="0" marR="0" lvl="0" indent="0" algn="ctr" defTabSz="914400" rtl="0" eaLnBrk="1" fontAlgn="auto" latinLnBrk="0" hangingPunct="1">
+              <a:lnSpc>
+                <a:spcPct val="100000"/>
+              </a:lnSpc>
+              <a:spcBef>
+                <a:spcPct val="0"/>
+              </a:spcBef>
+              <a:spcAft>
+                <a:spcPts val="0"/>
+              </a:spcAft>
+              <a:buClrTx/>
+              <a:buSzTx/>
+              <a:buFontTx/>
+              <a:buNone/>
+              <a:tabLst/>
+              <a:defRPr/>
+            </a:pPr>
+            <a:r>
+              <a:rPr lang="en-US" sz="4000" b="1" dirty="0" smtClean="0">
+                <a:ln w="19050">
+                  <a:solidFill>
+                    <a:schemeClr val="bg1"/>
+                  </a:solidFill>
+                  <a:prstDash val="solid"/>
+                  <a:miter lim="800000"/>
+                </a:ln>
+                <a:solidFill>
+                  <a:srgbClr val="FFFF00"/>
+                </a:solidFill>
+                <a:effectLst>
+                  <a:outerShdw blurRad="25500" dist="23000" dir="7020000" algn="tl">
+                    <a:srgbClr val="000000">
+                      <a:alpha val="50000"/>
+                    </a:srgbClr>
+                  </a:outerShdw>
+                </a:effectLst>
+                <a:latin typeface="Courier New" pitchFamily="49" charset="0"/>
+                <a:ea typeface="+mj-ea"/>
+                <a:cs typeface="Courier New" pitchFamily="49" charset="0"/>
+              </a:rPr>
+              <a:t>Logic</a:t>
+            </a:r>
+            <a:endParaRPr kumimoji="0" lang="en-US" sz="4000" b="1" i="0" u="none" strike="noStrike" kern="1200" cap="none" spc="0" normalizeH="0" baseline="0" noProof="0" dirty="0">
+              <a:ln w="19050">
+                <a:solidFill>
+                  <a:schemeClr val="bg1"/>
+                </a:solidFill>
+                <a:prstDash val="solid"/>
+                <a:miter lim="800000"/>
+              </a:ln>
+              <a:solidFill>
+                <a:srgbClr val="FFFF00"/>
+              </a:solidFill>
+              <a:effectLst>
+                <a:outerShdw blurRad="25500" dist="23000" dir="7020000" algn="tl">
+                  <a:srgbClr val="000000">
+                    <a:alpha val="50000"/>
+                  </a:srgbClr>
+                </a:outerShdw>
+              </a:effectLst>
+              <a:uLnTx/>
+              <a:uFillTx/>
+              <a:latin typeface="Courier New" pitchFamily="49" charset="0"/>
+              <a:ea typeface="+mj-ea"/>
+              <a:cs typeface="Courier New" pitchFamily="49" charset="0"/>
+            </a:endParaRPr>
+          </a:p>
+        </p:txBody>
+      </p:sp>
+      <p:sp>
+        <p:nvSpPr>
+          <p:cNvPr id="6" name="Title 1"/>
+          <p:cNvSpPr txBox="1">
+            <a:spLocks/>
+          </p:cNvSpPr>
+          <p:nvPr/>
+        </p:nvSpPr>
+        <p:spPr>
+          <a:xfrm>
+            <a:off x="1676400" y="2438400"/>
+            <a:ext cx="4114800" cy="994410"/>
+          </a:xfrm>
+          <a:prstGeom prst="rect">
+            <a:avLst/>
+          </a:prstGeom>
+          <a:noFill/>
+        </p:spPr>
+        <p:txBody>
+          <a:bodyPr vert="horz" lIns="45720" rIns="45720" anchor="ctr">
+            <a:noAutofit/>
+          </a:bodyPr>
+          <a:lstStyle/>
+          <a:p>
+            <a:pPr marL="0" marR="0" lvl="0" indent="0" algn="ctr" defTabSz="914400" rtl="0" eaLnBrk="1" fontAlgn="auto" latinLnBrk="0" hangingPunct="1">
+              <a:lnSpc>
+                <a:spcPct val="100000"/>
+              </a:lnSpc>
+              <a:spcBef>
+                <a:spcPct val="0"/>
+              </a:spcBef>
+              <a:spcAft>
+                <a:spcPts val="0"/>
+              </a:spcAft>
+              <a:buClrTx/>
+              <a:buSzTx/>
+              <a:buFontTx/>
+              <a:buNone/>
+              <a:tabLst/>
+              <a:defRPr/>
+            </a:pPr>
+            <a:r>
+              <a:rPr lang="en-US" sz="4000" b="1" dirty="0" smtClean="0">
+                <a:ln w="19050">
+                  <a:solidFill>
+                    <a:schemeClr val="bg1"/>
+                  </a:solidFill>
+                  <a:prstDash val="solid"/>
+                  <a:miter lim="800000"/>
+                </a:ln>
+                <a:solidFill>
+                  <a:srgbClr val="FFFF00"/>
+                </a:solidFill>
+                <a:effectLst>
+                  <a:outerShdw blurRad="25500" dist="23000" dir="7020000" algn="tl">
+                    <a:srgbClr val="000000">
+                      <a:alpha val="50000"/>
+                    </a:srgbClr>
+                  </a:outerShdw>
+                </a:effectLst>
+                <a:latin typeface="Courier New" pitchFamily="49" charset="0"/>
+                <a:ea typeface="+mj-ea"/>
+                <a:cs typeface="Courier New" pitchFamily="49" charset="0"/>
+              </a:rPr>
+              <a:t>Audio</a:t>
+            </a:r>
+            <a:endParaRPr kumimoji="0" lang="en-US" sz="4000" b="1" i="0" u="none" strike="noStrike" kern="1200" cap="none" spc="0" normalizeH="0" baseline="0" noProof="0" dirty="0">
+              <a:ln w="19050">
+                <a:solidFill>
+                  <a:schemeClr val="bg1"/>
+                </a:solidFill>
+                <a:prstDash val="solid"/>
+                <a:miter lim="800000"/>
+              </a:ln>
+              <a:solidFill>
+                <a:srgbClr val="FFFF00"/>
+              </a:solidFill>
+              <a:effectLst>
+                <a:outerShdw blurRad="25500" dist="23000" dir="7020000" algn="tl">
+                  <a:srgbClr val="000000">
+                    <a:alpha val="50000"/>
+                  </a:srgbClr>
+                </a:outerShdw>
+              </a:effectLst>
+              <a:uLnTx/>
+              <a:uFillTx/>
+              <a:latin typeface="Courier New" pitchFamily="49" charset="0"/>
+              <a:ea typeface="+mj-ea"/>
+              <a:cs typeface="Courier New" pitchFamily="49" charset="0"/>
+            </a:endParaRPr>
+          </a:p>
+        </p:txBody>
+      </p:sp>
+      <p:sp>
+        <p:nvSpPr>
+          <p:cNvPr id="7" name="Title 1"/>
+          <p:cNvSpPr txBox="1">
+            <a:spLocks/>
+          </p:cNvSpPr>
+          <p:nvPr/>
+        </p:nvSpPr>
+        <p:spPr>
+          <a:xfrm>
+            <a:off x="5334000" y="2739390"/>
+            <a:ext cx="4114800" cy="994410"/>
+          </a:xfrm>
+          <a:prstGeom prst="rect">
+            <a:avLst/>
+          </a:prstGeom>
+          <a:noFill/>
+        </p:spPr>
+        <p:txBody>
+          <a:bodyPr vert="horz" lIns="45720" rIns="45720" anchor="ctr">
+            <a:noAutofit/>
+          </a:bodyPr>
+          <a:lstStyle/>
+          <a:p>
+            <a:pPr marL="0" marR="0" lvl="0" indent="0" algn="ctr" defTabSz="914400" rtl="0" eaLnBrk="1" fontAlgn="auto" latinLnBrk="0" hangingPunct="1">
+              <a:lnSpc>
+                <a:spcPct val="100000"/>
+              </a:lnSpc>
+              <a:spcBef>
+                <a:spcPct val="0"/>
+              </a:spcBef>
+              <a:spcAft>
+                <a:spcPts val="0"/>
+              </a:spcAft>
+              <a:buClrTx/>
+              <a:buSzTx/>
+              <a:buFontTx/>
+              <a:buNone/>
+              <a:tabLst/>
+              <a:defRPr/>
+            </a:pPr>
+            <a:r>
+              <a:rPr lang="en-US" sz="4000" b="1" dirty="0" smtClean="0">
+                <a:ln w="19050">
+                  <a:solidFill>
+                    <a:schemeClr val="bg1"/>
+                  </a:solidFill>
+                  <a:prstDash val="solid"/>
+                  <a:miter lim="800000"/>
+                </a:ln>
+                <a:solidFill>
+                  <a:srgbClr val="FFFF00"/>
+                </a:solidFill>
+                <a:effectLst>
+                  <a:outerShdw blurRad="25500" dist="23000" dir="7020000" algn="tl">
+                    <a:srgbClr val="000000">
+                      <a:alpha val="50000"/>
+                    </a:srgbClr>
+                  </a:outerShdw>
+                </a:effectLst>
+                <a:latin typeface="Courier New" pitchFamily="49" charset="0"/>
+                <a:ea typeface="+mj-ea"/>
+                <a:cs typeface="Courier New" pitchFamily="49" charset="0"/>
+              </a:rPr>
+              <a:t>GUI</a:t>
+            </a:r>
+            <a:endParaRPr kumimoji="0" lang="en-US" sz="4000" b="1" i="0" u="none" strike="noStrike" kern="1200" cap="none" spc="0" normalizeH="0" baseline="0" noProof="0" dirty="0">
+              <a:ln w="19050">
+                <a:solidFill>
+                  <a:schemeClr val="bg1"/>
+                </a:solidFill>
+                <a:prstDash val="solid"/>
+                <a:miter lim="800000"/>
+              </a:ln>
+              <a:solidFill>
+                <a:srgbClr val="FFFF00"/>
+              </a:solidFill>
+              <a:effectLst>
+                <a:outerShdw blurRad="25500" dist="23000" dir="7020000" algn="tl">
+                  <a:srgbClr val="000000">
+                    <a:alpha val="50000"/>
+                  </a:srgbClr>
+                </a:outerShdw>
+              </a:effectLst>
+              <a:uLnTx/>
+              <a:uFillTx/>
+              <a:latin typeface="Courier New" pitchFamily="49" charset="0"/>
+              <a:ea typeface="+mj-ea"/>
+              <a:cs typeface="Courier New" pitchFamily="49" charset="0"/>
+            </a:endParaRPr>
+          </a:p>
+        </p:txBody>
+      </p:sp>
+    </p:spTree>
+  </p:cSld>
+  <p:clrMapOvr>
+    <a:masterClrMapping/>
+  </p:clrMapOvr>
+  <p:transition spd="slow">
+    <p:fade/>
+  </p:transition>
+  <p:timing>
+    <p:tnLst>
+      <p:par>
+        <p:cTn id="1" dur="indefinite" restart="never" nodeType="tmRoot"/>
+      </p:par>
+    </p:tnLst>
+  </p:timing>
+</p:sld>
+</file>
+
+<file path=ppt/slides/slide7.xml><?xml version="1.0" encoding="utf-8"?>
+<p:sld xmlns:a="http://schemas.openxmlformats.org/drawingml/2006/main" xmlns:r="http://schemas.openxmlformats.org/officeDocument/2006/relationships" xmlns:p="http://schemas.openxmlformats.org/presentationml/2006/main">
+  <p:cSld>
+    <p:spTree>
+      <p:nvGrpSpPr>
+        <p:cNvPr id="1" name=""/>
+        <p:cNvGrpSpPr/>
+        <p:nvPr/>
+      </p:nvGrpSpPr>
+      <p:grpSpPr>
+        <a:xfrm>
+          <a:off x="0" y="0"/>
+          <a:ext cx="0" cy="0"/>
+          <a:chOff x="0" y="0"/>
+          <a:chExt cx="0" cy="0"/>
+        </a:xfrm>
+      </p:grpSpPr>
+      <p:sp>
+        <p:nvSpPr>
+          <p:cNvPr id="2" name="Title 1"/>
+          <p:cNvSpPr>
+            <a:spLocks noGrp="1"/>
+          </p:cNvSpPr>
+          <p:nvPr>
+            <p:ph type="title"/>
+          </p:nvPr>
+        </p:nvSpPr>
+        <p:spPr>
+          <a:xfrm>
+            <a:off x="0" y="0"/>
+            <a:ext cx="9144000" cy="1066800"/>
+          </a:xfrm>
+          <a:gradFill>
+            <a:gsLst>
+              <a:gs pos="0">
+                <a:schemeClr val="accent1">
+                  <a:tint val="66000"/>
+                  <a:satMod val="160000"/>
+                  <a:alpha val="0"/>
+                </a:schemeClr>
+              </a:gs>
+              <a:gs pos="50000">
+                <a:schemeClr val="bg1"/>
+              </a:gs>
+              <a:gs pos="100000">
+                <a:schemeClr val="accent1">
+                  <a:tint val="23500"/>
+                  <a:satMod val="160000"/>
+                  <a:alpha val="0"/>
+                </a:schemeClr>
+              </a:gs>
+            </a:gsLst>
+            <a:lin ang="5400000" scaled="0"/>
+          </a:gradFill>
+        </p:spPr>
+        <p:txBody>
+          <a:bodyPr vert="horz" lIns="45720" rIns="45720" anchor="ctr">
+            <a:normAutofit/>
+          </a:bodyPr>
+          <a:lstStyle/>
+          <a:p>
+            <a:pPr algn="ctr"/>
+            <a:r>
+              <a:rPr lang="en-US" sz="4400" b="1" dirty="0" smtClean="0">
+                <a:ln w="19050">
+                  <a:solidFill>
+                    <a:srgbClr val="92D050"/>
+                  </a:solidFill>
+                  <a:prstDash val="solid"/>
+                  <a:miter lim="800000"/>
+                </a:ln>
+                <a:noFill/>
+                <a:effectLst>
+                  <a:outerShdw blurRad="25500" dist="23000" dir="7020000" algn="tl">
+                    <a:srgbClr val="000000">
+                      <a:alpha val="50000"/>
+                    </a:srgbClr>
+                  </a:outerShdw>
+                </a:effectLst>
+                <a:latin typeface="Century Gothic" pitchFamily="34" charset="0"/>
+              </a:rPr>
+              <a:t>Milestones</a:t>
+            </a:r>
+            <a:endParaRPr lang="en-US" sz="4400" b="1" dirty="0" smtClean="0">
+              <a:ln w="19050">
+                <a:solidFill>
+                  <a:srgbClr val="92D050"/>
+                </a:solidFill>
+                <a:prstDash val="solid"/>
+                <a:miter lim="800000"/>
+              </a:ln>
+              <a:noFill/>
+              <a:effectLst>
+                <a:outerShdw blurRad="25500" dist="23000" dir="7020000" algn="tl">
+                  <a:srgbClr val="000000">
+                    <a:alpha val="50000"/>
+                  </a:srgbClr>
+                </a:outerShdw>
+              </a:effectLst>
+              <a:latin typeface="Century Gothic" pitchFamily="34" charset="0"/>
+            </a:endParaRPr>
+          </a:p>
+        </p:txBody>
+      </p:sp>
+      <p:pic>
+        <p:nvPicPr>
+          <p:cNvPr id="2050" name="Picture 2" descr="C:\Users\Jonathan\Documents\EclipseWorkspace\SS12_AudioPreview\presentation\schedule.JPG"/>
+          <p:cNvPicPr>
+            <a:picLocks noChangeAspect="1" noChangeArrowheads="1"/>
+          </p:cNvPicPr>
+          <p:nvPr/>
+        </p:nvPicPr>
+        <p:blipFill>
+          <a:blip r:embed="rId2" cstate="print"/>
+          <a:srcRect/>
+          <a:stretch>
+            <a:fillRect/>
+          </a:stretch>
+        </p:blipFill>
+        <p:spPr bwMode="auto">
+          <a:xfrm>
+            <a:off x="685800" y="990600"/>
+            <a:ext cx="7924800" cy="5543550"/>
+          </a:xfrm>
+          <a:prstGeom prst="rect">
+            <a:avLst/>
+          </a:prstGeom>
+          <a:noFill/>
+        </p:spPr>
+      </p:pic>
+    </p:spTree>
+  </p:cSld>
+  <p:clrMapOvr>
+    <a:masterClrMapping/>
+  </p:clrMapOvr>
+  <p:transition spd="slow">
+    <p:fade/>
+  </p:transition>
+  <p:timing>
+    <p:tnLst>
+      <p:par>
+        <p:cTn id="1" dur="indefinite" restart="never" nodeType="tmRoot"/>
+      </p:par>
+    </p:tnLst>
+  </p:timing>
+</p:sld>
+</file>
+
+<file path=ppt/slides/slide8.xml><?xml version="1.0" encoding="utf-8"?>
+<p:sld xmlns:a="http://schemas.openxmlformats.org/drawingml/2006/main" xmlns:r="http://schemas.openxmlformats.org/officeDocument/2006/relationships" xmlns:p="http://schemas.openxmlformats.org/presentationml/2006/main">
+  <p:cSld>
+    <p:spTree>
+      <p:nvGrpSpPr>
+        <p:cNvPr id="1" name=""/>
+        <p:cNvGrpSpPr/>
+        <p:nvPr/>
+      </p:nvGrpSpPr>
+      <p:grpSpPr>
+        <a:xfrm>
+          <a:off x="0" y="0"/>
+          <a:ext cx="0" cy="0"/>
+          <a:chOff x="0" y="0"/>
+          <a:chExt cx="0" cy="0"/>
+        </a:xfrm>
+      </p:grpSpPr>
       <p:pic>
         <p:nvPicPr>
           <p:cNvPr id="1027" name="Picture 3" descr="C:\Users\Jonathan\Documents\EclipseWorkspace\SS12_AudioPreview\presentation\sleepyBrehon.JPG"/>
@@ -4691,7 +5648,7 @@
           <p:nvPr/>
         </p:nvPicPr>
         <p:blipFill>
-          <a:blip r:embed="rId3" cstate="print"/>
+          <a:blip r:embed="rId2" cstate="print"/>
           <a:srcRect/>
           <a:stretch>
             <a:fillRect/>
@@ -4699,8 +5656,8 @@
         </p:blipFill>
         <p:spPr bwMode="auto">
           <a:xfrm>
-            <a:off x="4572000" y="3429000"/>
-            <a:ext cx="4572000" cy="3429000"/>
+            <a:off x="914400" y="1371600"/>
+            <a:ext cx="7391400" cy="5314950"/>
           </a:xfrm>
           <a:prstGeom prst="rect">
             <a:avLst/>
@@ -4708,58 +5665,6 @@
           <a:noFill/>
         </p:spPr>
       </p:pic>
-      <p:pic>
-        <p:nvPicPr>
-          <p:cNvPr id="1028" name="Picture 4" descr="C:\Users\Jonathan\Documents\EclipseWorkspace\SS12_AudioPreview\presentation\working1.JPG"/>
-          <p:cNvPicPr>
-            <a:picLocks noChangeAspect="1" noChangeArrowheads="1"/>
-          </p:cNvPicPr>
-          <p:nvPr/>
-        </p:nvPicPr>
-        <p:blipFill>
-          <a:blip r:embed="rId4" cstate="print"/>
-          <a:srcRect/>
-          <a:stretch>
-            <a:fillRect/>
-          </a:stretch>
-        </p:blipFill>
-        <p:spPr bwMode="auto">
-          <a:xfrm>
-            <a:off x="4572000" y="0"/>
-            <a:ext cx="4572000" cy="3429000"/>
-          </a:xfrm>
-          <a:prstGeom prst="rect">
-            <a:avLst/>
-          </a:prstGeom>
-          <a:noFill/>
-        </p:spPr>
-      </p:pic>
-      <p:pic>
-        <p:nvPicPr>
-          <p:cNvPr id="1029" name="Picture 5" descr="C:\Users\Jonathan\Documents\EclipseWorkspace\SS12_AudioPreview\presentation\working2.JPG"/>
-          <p:cNvPicPr>
-            <a:picLocks noChangeAspect="1" noChangeArrowheads="1"/>
-          </p:cNvPicPr>
-          <p:nvPr/>
-        </p:nvPicPr>
-        <p:blipFill>
-          <a:blip r:embed="rId5" cstate="print"/>
-          <a:srcRect/>
-          <a:stretch>
-            <a:fillRect/>
-          </a:stretch>
-        </p:blipFill>
-        <p:spPr bwMode="auto">
-          <a:xfrm>
-            <a:off x="0" y="3429000"/>
-            <a:ext cx="4572000" cy="3429000"/>
-          </a:xfrm>
-          <a:prstGeom prst="rect">
-            <a:avLst/>
-          </a:prstGeom>
-          <a:noFill/>
-        </p:spPr>
-      </p:pic>
       <p:sp>
         <p:nvSpPr>
           <p:cNvPr id="2" name="Title 1"/>
@@ -4772,7 +5677,7 @@
         </p:nvSpPr>
         <p:spPr>
           <a:xfrm>
-            <a:off x="0" y="2590801"/>
+            <a:off x="0" y="-152400"/>
             <a:ext cx="9144000" cy="1628772"/>
           </a:xfrm>
           <a:gradFill>
@@ -4809,7 +5714,7 @@
               <a:rPr lang="en-US" sz="4400" b="1" dirty="0" smtClean="0">
                 <a:ln w="19050">
                   <a:solidFill>
-                    <a:srgbClr val="FFFF00"/>
+                    <a:srgbClr val="92D050"/>
                   </a:solidFill>
                   <a:prstDash val="solid"/>
                   <a:miter lim="800000"/>
@@ -4847,7 +5752,7 @@
 </p:sld>
 </file>
 
-<file path=ppt/slides/slide6.xml><?xml version="1.0" encoding="utf-8"?>
+<file path=ppt/slides/slide9.xml><?xml version="1.0" encoding="utf-8"?>
 <p:sld xmlns:a="http://schemas.openxmlformats.org/drawingml/2006/main" xmlns:r="http://schemas.openxmlformats.org/officeDocument/2006/relationships" xmlns:p="http://schemas.openxmlformats.org/presentationml/2006/main">
   <p:cSld>
     <p:spTree>
@@ -5318,4 +6223,47 @@
   <a:objectDefaults/>
   <a:extraClrSchemeLst/>
 </a:theme>
+</file>
+
+<file path=ppt/theme/themeOverride1.xml><?xml version="1.0" encoding="utf-8"?>
+<a:themeOverride xmlns:a="http://schemas.openxmlformats.org/drawingml/2006/main">
+  <a:clrScheme name="Technic">
+    <a:dk1>
+      <a:sysClr val="windowText" lastClr="000000"/>
+    </a:dk1>
+    <a:lt1>
+      <a:sysClr val="window" lastClr="FFFFFF"/>
+    </a:lt1>
+    <a:dk2>
+      <a:srgbClr val="3B3B3B"/>
+    </a:dk2>
+    <a:lt2>
+      <a:srgbClr val="D4D2D0"/>
+    </a:lt2>
+    <a:accent1>
+      <a:srgbClr val="6EA0B0"/>
+    </a:accent1>
+    <a:accent2>
+      <a:srgbClr val="CCAF0A"/>
+    </a:accent2>
+    <a:accent3>
+      <a:srgbClr val="8D89A4"/>
+    </a:accent3>
+    <a:accent4>
+      <a:srgbClr val="748560"/>
+    </a:accent4>
+    <a:accent5>
+      <a:srgbClr val="9E9273"/>
+    </a:accent5>
+    <a:accent6>
+      <a:srgbClr val="7E848D"/>
+    </a:accent6>
+    <a:hlink>
+      <a:srgbClr val="00C8C3"/>
+    </a:hlink>
+    <a:folHlink>
+      <a:srgbClr val="A116E0"/>
+    </a:folHlink>
+  </a:clrScheme>
+</a:themeOverride>
 </file>
--- a/trunk/presentation/Team MIDI-Pop.pptx
+++ b/trunk/presentation/Team MIDI-Pop.pptx
@@ -4031,13 +4031,7 @@
               <a:rPr lang="en-US" dirty="0" smtClean="0">
                 <a:latin typeface="Chaparral Pro" pitchFamily="18" charset="0"/>
               </a:rPr>
-              <a:t>“Venues </a:t>
-            </a:r>
-            <a:r>
-              <a:rPr lang="en-US" dirty="0" smtClean="0">
-                <a:latin typeface="Chaparral Pro" pitchFamily="18" charset="0"/>
-              </a:rPr>
-              <a:t>with assigned seating (i.e. concert halls) sometimes provide view simulations from a given seat to allow customers to determine which seat they’d like to buy a ticket for. However, for a person with a visual disability, the more useful information is how the venue </a:t>
+              <a:t>“Venues with assigned seating (i.e. concert halls) sometimes provide view simulations from a given seat to allow customers to determine which seat they’d like to buy a ticket for. However, for a person with a visual disability, the more useful information is how the venue </a:t>
             </a:r>
             <a:r>
               <a:rPr lang="en-US" i="1" dirty="0" smtClean="0">
@@ -4049,17 +4043,8 @@
               <a:rPr lang="en-US" dirty="0" smtClean="0">
                 <a:latin typeface="Chaparral Pro" pitchFamily="18" charset="0"/>
               </a:rPr>
-              <a:t> at that location</a:t>
-            </a:r>
-            <a:r>
-              <a:rPr lang="en-US" dirty="0" smtClean="0">
-                <a:latin typeface="Chaparral Pro" pitchFamily="18" charset="0"/>
-              </a:rPr>
-              <a:t>.”</a:t>
-            </a:r>
-            <a:endParaRPr lang="en-US" dirty="0" smtClean="0">
-              <a:latin typeface="Chaparral Pro" pitchFamily="18" charset="0"/>
-            </a:endParaRPr>
+              <a:t> at that location.”</a:t>
+            </a:r>
           </a:p>
           <a:p>
             <a:pPr>
@@ -4071,23 +4056,8 @@
               <a:rPr lang="en-US" dirty="0" smtClean="0">
                 <a:latin typeface="Chaparral Pro" pitchFamily="18" charset="0"/>
               </a:rPr>
-              <a:t>“Develop </a:t>
-            </a:r>
-            <a:r>
-              <a:rPr lang="en-US" dirty="0" smtClean="0">
-                <a:latin typeface="Chaparral Pro" pitchFamily="18" charset="0"/>
-              </a:rPr>
-              <a:t>a system that models the acoustics of a given venue and lets users hear how a clip will sound from a given seat</a:t>
-            </a:r>
-            <a:r>
-              <a:rPr lang="en-US" dirty="0" smtClean="0">
-                <a:latin typeface="Chaparral Pro" pitchFamily="18" charset="0"/>
-              </a:rPr>
-              <a:t>.”</a:t>
-            </a:r>
-            <a:endParaRPr lang="en-US" dirty="0" smtClean="0">
-              <a:latin typeface="Chaparral Pro" pitchFamily="18" charset="0"/>
-            </a:endParaRPr>
+              <a:t>“Develop a system that models the acoustics of a given venue and lets users hear how a clip will sound from a given seat.”</a:t>
+            </a:r>
           </a:p>
         </p:txBody>
       </p:sp>
@@ -5557,24 +5527,6 @@
               </a:rPr>
               <a:t>Milestones</a:t>
             </a:r>
-            <a:endParaRPr lang="en-US" sz="4400" b="1" dirty="0" smtClean="0">
-              <a:ln w="19050">
-                <a:solidFill>
-                  <a:srgbClr val="92D050"/>
-                </a:solidFill>
-                <a:prstDash val="solid"/>
-                <a:miter lim="800000"/>
-              </a:ln>
-              <a:noFill/>
-              <a:effectLst>
-                <a:outerShdw blurRad="25500" dist="23000" dir="7020000" algn="tl">
-                  <a:srgbClr val="000000">
-                    <a:alpha val="50000"/>
-                  </a:srgbClr>
-                </a:outerShdw>
-              </a:effectLst>
-              <a:latin typeface="Century Gothic" pitchFamily="34" charset="0"/>
-            </a:endParaRPr>
           </a:p>
         </p:txBody>
       </p:sp>
@@ -5588,15 +5540,15 @@
         </p:nvPicPr>
         <p:blipFill>
           <a:blip r:embed="rId2" cstate="print"/>
-          <a:srcRect/>
+          <a:srcRect t="4123"/>
           <a:stretch>
             <a:fillRect/>
           </a:stretch>
         </p:blipFill>
         <p:spPr bwMode="auto">
           <a:xfrm>
-            <a:off x="685800" y="990600"/>
-            <a:ext cx="7924800" cy="5543550"/>
+            <a:off x="685800" y="1066800"/>
+            <a:ext cx="7924800" cy="5467350"/>
           </a:xfrm>
           <a:prstGeom prst="rect">
             <a:avLst/>
